--- a/MOSDEX-1.2/MOSDEX Introduction.pptx
+++ b/MOSDEX-1.2/MOSDEX Introduction.pptx
@@ -5,7 +5,7 @@
     <p:sldMasterId id="2147483648" r:id="rId1"/>
   </p:sldMasterIdLst>
   <p:notesMasterIdLst>
-    <p:notesMasterId r:id="rId22"/>
+    <p:notesMasterId r:id="rId24"/>
   </p:notesMasterIdLst>
   <p:sldIdLst>
     <p:sldId id="256" r:id="rId2"/>
@@ -20,17 +20,19 @@
     <p:sldId id="287" r:id="rId11"/>
     <p:sldId id="288" r:id="rId12"/>
     <p:sldId id="289" r:id="rId13"/>
-    <p:sldId id="266" r:id="rId14"/>
+    <p:sldId id="292" r:id="rId14"/>
     <p:sldId id="279" r:id="rId15"/>
     <p:sldId id="280" r:id="rId16"/>
-    <p:sldId id="268" r:id="rId17"/>
-    <p:sldId id="276" r:id="rId18"/>
-    <p:sldId id="275" r:id="rId19"/>
-    <p:sldId id="281" r:id="rId20"/>
-    <p:sldId id="282" r:id="rId21"/>
+    <p:sldId id="293" r:id="rId17"/>
+    <p:sldId id="268" r:id="rId18"/>
+    <p:sldId id="291" r:id="rId19"/>
+    <p:sldId id="276" r:id="rId20"/>
+    <p:sldId id="275" r:id="rId21"/>
+    <p:sldId id="281" r:id="rId22"/>
+    <p:sldId id="282" r:id="rId23"/>
   </p:sldIdLst>
   <p:sldSz cx="12192000" cy="6858000"/>
-  <p:notesSz cx="6858000" cy="9144000"/>
+  <p:notesSz cx="7315200" cy="9601200"/>
   <p:defaultTextStyle>
     <a:defPPr>
       <a:defRPr lang="en-US"/>
@@ -169,17 +171,17 @@
         <p:spPr>
           <a:xfrm>
             <a:off x="0" y="0"/>
-            <a:ext cx="2971800" cy="458788"/>
+            <a:ext cx="3169920" cy="481727"/>
           </a:xfrm>
           <a:prstGeom prst="rect">
             <a:avLst/>
           </a:prstGeom>
         </p:spPr>
         <p:txBody>
-          <a:bodyPr vert="horz" lIns="91440" tIns="45720" rIns="91440" bIns="45720" rtlCol="0"/>
+          <a:bodyPr vert="horz" lIns="96661" tIns="48331" rIns="96661" bIns="48331" rtlCol="0"/>
           <a:lstStyle>
             <a:lvl1pPr algn="l">
-              <a:defRPr sz="1200"/>
+              <a:defRPr sz="1300"/>
             </a:lvl1pPr>
           </a:lstStyle>
           <a:p>
@@ -199,24 +201,24 @@
         </p:nvSpPr>
         <p:spPr>
           <a:xfrm>
-            <a:off x="3884613" y="0"/>
-            <a:ext cx="2971800" cy="458788"/>
+            <a:off x="4143587" y="0"/>
+            <a:ext cx="3169920" cy="481727"/>
           </a:xfrm>
           <a:prstGeom prst="rect">
             <a:avLst/>
           </a:prstGeom>
         </p:spPr>
         <p:txBody>
-          <a:bodyPr vert="horz" lIns="91440" tIns="45720" rIns="91440" bIns="45720" rtlCol="0"/>
+          <a:bodyPr vert="horz" lIns="96661" tIns="48331" rIns="96661" bIns="48331" rtlCol="0"/>
           <a:lstStyle>
             <a:lvl1pPr algn="r">
-              <a:defRPr sz="1200"/>
+              <a:defRPr sz="1300"/>
             </a:lvl1pPr>
           </a:lstStyle>
           <a:p>
             <a:fld id="{1DFD822A-B288-4CD1-9EBA-086CB5E54ACC}" type="datetimeFigureOut">
               <a:rPr lang="en-US" smtClean="0"/>
-              <a:t>6/26/2020</a:t>
+              <a:t>7/5/2020</a:t>
             </a:fld>
             <a:endParaRPr lang="en-US"/>
           </a:p>
@@ -234,8 +236,8 @@
         </p:nvSpPr>
         <p:spPr>
           <a:xfrm>
-            <a:off x="685800" y="1143000"/>
-            <a:ext cx="5486400" cy="3086100"/>
+            <a:off x="777875" y="1200150"/>
+            <a:ext cx="5759450" cy="3240088"/>
           </a:xfrm>
           <a:prstGeom prst="rect">
             <a:avLst/>
@@ -248,7 +250,7 @@
           </a:ln>
         </p:spPr>
         <p:txBody>
-          <a:bodyPr vert="horz" lIns="91440" tIns="45720" rIns="91440" bIns="45720" rtlCol="0" anchor="ctr"/>
+          <a:bodyPr vert="horz" lIns="96661" tIns="48331" rIns="96661" bIns="48331" rtlCol="0" anchor="ctr"/>
           <a:lstStyle/>
           <a:p>
             <a:endParaRPr lang="en-US"/>
@@ -267,15 +269,15 @@
         </p:nvSpPr>
         <p:spPr>
           <a:xfrm>
-            <a:off x="685800" y="4400550"/>
-            <a:ext cx="5486400" cy="3600450"/>
+            <a:off x="731520" y="4620577"/>
+            <a:ext cx="5852160" cy="3780473"/>
           </a:xfrm>
           <a:prstGeom prst="rect">
             <a:avLst/>
           </a:prstGeom>
         </p:spPr>
         <p:txBody>
-          <a:bodyPr vert="horz" lIns="91440" tIns="45720" rIns="91440" bIns="45720" rtlCol="0"/>
+          <a:bodyPr vert="horz" lIns="96661" tIns="48331" rIns="96661" bIns="48331" rtlCol="0"/>
           <a:lstStyle/>
           <a:p>
             <a:pPr lvl="0"/>
@@ -327,18 +329,18 @@
         </p:nvSpPr>
         <p:spPr>
           <a:xfrm>
-            <a:off x="0" y="8685213"/>
-            <a:ext cx="2971800" cy="458787"/>
+            <a:off x="0" y="9119474"/>
+            <a:ext cx="3169920" cy="481726"/>
           </a:xfrm>
           <a:prstGeom prst="rect">
             <a:avLst/>
           </a:prstGeom>
         </p:spPr>
         <p:txBody>
-          <a:bodyPr vert="horz" lIns="91440" tIns="45720" rIns="91440" bIns="45720" rtlCol="0" anchor="b"/>
+          <a:bodyPr vert="horz" lIns="96661" tIns="48331" rIns="96661" bIns="48331" rtlCol="0" anchor="b"/>
           <a:lstStyle>
             <a:lvl1pPr algn="l">
-              <a:defRPr sz="1200"/>
+              <a:defRPr sz="1300"/>
             </a:lvl1pPr>
           </a:lstStyle>
           <a:p>
@@ -358,18 +360,18 @@
         </p:nvSpPr>
         <p:spPr>
           <a:xfrm>
-            <a:off x="3884613" y="8685213"/>
-            <a:ext cx="2971800" cy="458787"/>
+            <a:off x="4143587" y="9119474"/>
+            <a:ext cx="3169920" cy="481726"/>
           </a:xfrm>
           <a:prstGeom prst="rect">
             <a:avLst/>
           </a:prstGeom>
         </p:spPr>
         <p:txBody>
-          <a:bodyPr vert="horz" lIns="91440" tIns="45720" rIns="91440" bIns="45720" rtlCol="0" anchor="b"/>
+          <a:bodyPr vert="horz" lIns="96661" tIns="48331" rIns="96661" bIns="48331" rtlCol="0" anchor="b"/>
           <a:lstStyle>
             <a:lvl1pPr algn="r">
-              <a:defRPr sz="1200"/>
+              <a:defRPr sz="1300"/>
             </a:lvl1pPr>
           </a:lstStyle>
           <a:p>
@@ -534,12 +536,12 @@
       </p:sp>
       <p:sp>
         <p:nvSpPr>
-          <p:cNvPr id="4" name="Slide Number Placeholder 3"/>
-          <p:cNvSpPr>
-            <a:spLocks noGrp="1"/>
-          </p:cNvSpPr>
-          <p:nvPr>
-            <p:ph type="sldNum" sz="quarter" idx="10"/>
+          <p:cNvPr id="4" name="Footer Placeholder 3"/>
+          <p:cNvSpPr>
+            <a:spLocks noGrp="1"/>
+          </p:cNvSpPr>
+          <p:nvPr>
+            <p:ph type="ftr" sz="quarter" idx="10"/>
           </p:nvPr>
         </p:nvSpPr>
         <p:spPr/>
@@ -547,8 +549,43 @@
           <a:bodyPr/>
           <a:lstStyle/>
           <a:p>
-            <a:fld id="{24FAB542-2094-4BD1-83DD-56A1E603ED6C}" type="slidenum">
+            <a:r>
               <a:rPr lang="en-US" smtClean="0"/>
+              <a:t>IBM Analytics</a:t>
+            </a:r>
+            <a:r>
+              <a:rPr lang="en-US"/>
+              <a:t/>
+            </a:r>
+            <a:br>
+              <a:rPr lang="en-US"/>
+            </a:br>
+            <a:r>
+              <a:rPr lang="en-US" smtClean="0"/>
+              <a:t>© 2015 IBM Corporation</a:t>
+            </a:r>
+            <a:endParaRPr lang="en-US"/>
+          </a:p>
+        </p:txBody>
+      </p:sp>
+      <p:sp>
+        <p:nvSpPr>
+          <p:cNvPr id="5" name="Slide Number Placeholder 4"/>
+          <p:cNvSpPr>
+            <a:spLocks noGrp="1"/>
+          </p:cNvSpPr>
+          <p:nvPr>
+            <p:ph type="sldNum" sz="quarter" idx="11"/>
+          </p:nvPr>
+        </p:nvSpPr>
+        <p:spPr/>
+        <p:txBody>
+          <a:bodyPr/>
+          <a:lstStyle/>
+          <a:p>
+            <a:fld id="{9688E928-1F3D-4E73-84AD-79E9018FFE2B}" type="slidenum">
+              <a:rPr lang="en-US" smtClean="0"/>
+              <a:pPr/>
               <a:t>13</a:t>
             </a:fld>
             <a:endParaRPr lang="en-US"/>
@@ -558,7 +595,7 @@
     </p:spTree>
     <p:extLst>
       <p:ext uri="{BB962C8B-B14F-4D97-AF65-F5344CB8AC3E}">
-        <p14:creationId xmlns:p14="http://schemas.microsoft.com/office/powerpoint/2010/main" val="2304310615"/>
+        <p14:creationId xmlns:p14="http://schemas.microsoft.com/office/powerpoint/2010/main" val="2127791602"/>
       </p:ext>
     </p:extLst>
   </p:cSld>
@@ -632,13 +669,97 @@
           <a:lstStyle/>
           <a:p>
             <a:fld id="{24FAB542-2094-4BD1-83DD-56A1E603ED6C}" type="slidenum">
+              <a:rPr lang="en-US" smtClean="0"/>
+              <a:t>16</a:t>
+            </a:fld>
+            <a:endParaRPr lang="en-US"/>
+          </a:p>
+        </p:txBody>
+      </p:sp>
+    </p:spTree>
+    <p:extLst>
+      <p:ext uri="{BB962C8B-B14F-4D97-AF65-F5344CB8AC3E}">
+        <p14:creationId xmlns:p14="http://schemas.microsoft.com/office/powerpoint/2010/main" val="1401451549"/>
+      </p:ext>
+    </p:extLst>
+  </p:cSld>
+  <p:clrMapOvr>
+    <a:masterClrMapping/>
+  </p:clrMapOvr>
+</p:notes>
+</file>
+
+<file path=ppt/notesSlides/notesSlide3.xml><?xml version="1.0" encoding="utf-8"?>
+<p:notes xmlns:a="http://schemas.openxmlformats.org/drawingml/2006/main" xmlns:r="http://schemas.openxmlformats.org/officeDocument/2006/relationships" xmlns:p="http://schemas.openxmlformats.org/presentationml/2006/main">
+  <p:cSld>
+    <p:spTree>
+      <p:nvGrpSpPr>
+        <p:cNvPr id="1" name=""/>
+        <p:cNvGrpSpPr/>
+        <p:nvPr/>
+      </p:nvGrpSpPr>
+      <p:grpSpPr>
+        <a:xfrm>
+          <a:off x="0" y="0"/>
+          <a:ext cx="0" cy="0"/>
+          <a:chOff x="0" y="0"/>
+          <a:chExt cx="0" cy="0"/>
+        </a:xfrm>
+      </p:grpSpPr>
+      <p:sp>
+        <p:nvSpPr>
+          <p:cNvPr id="2" name="Slide Image Placeholder 1"/>
+          <p:cNvSpPr>
+            <a:spLocks noGrp="1" noRot="1" noChangeAspect="1"/>
+          </p:cNvSpPr>
+          <p:nvPr>
+            <p:ph type="sldImg"/>
+          </p:nvPr>
+        </p:nvSpPr>
+        <p:spPr/>
+      </p:sp>
+      <p:sp>
+        <p:nvSpPr>
+          <p:cNvPr id="3" name="Notes Placeholder 2"/>
+          <p:cNvSpPr>
+            <a:spLocks noGrp="1"/>
+          </p:cNvSpPr>
+          <p:nvPr>
+            <p:ph type="body" idx="1"/>
+          </p:nvPr>
+        </p:nvSpPr>
+        <p:spPr/>
+        <p:txBody>
+          <a:bodyPr/>
+          <a:lstStyle/>
+          <a:p>
+            <a:endParaRPr lang="en-US"/>
+          </a:p>
+        </p:txBody>
+      </p:sp>
+      <p:sp>
+        <p:nvSpPr>
+          <p:cNvPr id="4" name="Slide Number Placeholder 3"/>
+          <p:cNvSpPr>
+            <a:spLocks noGrp="1"/>
+          </p:cNvSpPr>
+          <p:nvPr>
+            <p:ph type="sldNum" sz="quarter" idx="10"/>
+          </p:nvPr>
+        </p:nvSpPr>
+        <p:spPr/>
+        <p:txBody>
+          <a:bodyPr/>
+          <a:lstStyle/>
+          <a:p>
+            <a:fld id="{24FAB542-2094-4BD1-83DD-56A1E603ED6C}" type="slidenum">
               <a:rPr lang="en-US" smtClean="0">
                 <a:solidFill>
                   <a:prstClr val="black"/>
                 </a:solidFill>
               </a:rPr>
               <a:pPr/>
-              <a:t>20</a:t>
+              <a:t>22</a:t>
             </a:fld>
             <a:endParaRPr lang="en-US">
               <a:solidFill>
@@ -1406,7 +1527,7 @@
           <a:p>
             <a:fld id="{7CAA1961-6A0E-4125-8341-D849017E1749}" type="datetime1">
               <a:rPr lang="en-US" smtClean="0"/>
-              <a:t>6/26/2020</a:t>
+              <a:t>7/5/2020</a:t>
             </a:fld>
             <a:endParaRPr lang="en-US" dirty="0"/>
           </a:p>
@@ -1657,7 +1778,7 @@
           <a:p>
             <a:fld id="{91D4D734-84B1-4777-BF67-73210D0342D1}" type="datetime1">
               <a:rPr lang="en-US" smtClean="0"/>
-              <a:t>6/26/2020</a:t>
+              <a:t>7/5/2020</a:t>
             </a:fld>
             <a:endParaRPr lang="en-US" dirty="0"/>
           </a:p>
@@ -1971,7 +2092,7 @@
           <a:p>
             <a:fld id="{87F2DFED-9392-4C8C-BB31-6B4D09DB0278}" type="datetime1">
               <a:rPr lang="en-US" smtClean="0"/>
-              <a:t>6/26/2020</a:t>
+              <a:t>7/5/2020</a:t>
             </a:fld>
             <a:endParaRPr lang="en-US" dirty="0"/>
           </a:p>
@@ -2304,7 +2425,7 @@
           <a:p>
             <a:fld id="{03DAB72D-67FC-4EAF-8E07-63B6FF444CAC}" type="datetime1">
               <a:rPr lang="en-US" smtClean="0"/>
-              <a:t>6/26/2020</a:t>
+              <a:t>7/5/2020</a:t>
             </a:fld>
             <a:endParaRPr lang="en-US" dirty="0"/>
           </a:p>
@@ -2618,7 +2739,7 @@
           <a:p>
             <a:fld id="{C687B981-6811-4541-8EA7-5F3EFED6544E}" type="datetime1">
               <a:rPr lang="en-US" smtClean="0"/>
-              <a:t>6/26/2020</a:t>
+              <a:t>7/5/2020</a:t>
             </a:fld>
             <a:endParaRPr lang="en-US" dirty="0"/>
           </a:p>
@@ -3011,7 +3132,7 @@
           <a:p>
             <a:fld id="{D576B9C2-ABEC-4A2F-996D-A837E13450B4}" type="datetime1">
               <a:rPr lang="en-US" smtClean="0"/>
-              <a:t>6/26/2020</a:t>
+              <a:t>7/5/2020</a:t>
             </a:fld>
             <a:endParaRPr lang="en-US" dirty="0"/>
           </a:p>
@@ -3181,7 +3302,7 @@
           <a:p>
             <a:fld id="{60F83BE6-E074-43AE-BB20-C39F65E0F95F}" type="datetime1">
               <a:rPr lang="en-US" smtClean="0"/>
-              <a:t>6/26/2020</a:t>
+              <a:t>7/5/2020</a:t>
             </a:fld>
             <a:endParaRPr lang="en-US" dirty="0"/>
           </a:p>
@@ -3360,7 +3481,7 @@
           <a:p>
             <a:fld id="{79F691F7-1AE1-4DDA-8580-42515D955338}" type="datetime1">
               <a:rPr lang="en-US" smtClean="0"/>
-              <a:t>6/26/2020</a:t>
+              <a:t>7/5/2020</a:t>
             </a:fld>
             <a:endParaRPr lang="en-US" dirty="0"/>
           </a:p>
@@ -3530,7 +3651,7 @@
           <a:p>
             <a:fld id="{88E7023D-7723-4AEF-928B-D8681402D357}" type="datetime1">
               <a:rPr lang="en-US" smtClean="0"/>
-              <a:t>6/26/2020</a:t>
+              <a:t>7/5/2020</a:t>
             </a:fld>
             <a:endParaRPr lang="en-US" dirty="0"/>
           </a:p>
@@ -3776,7 +3897,7 @@
           <a:p>
             <a:fld id="{0DA8BDA7-B7BF-451E-93DF-18AE87F2EEFA}" type="datetime1">
               <a:rPr lang="en-US" smtClean="0"/>
-              <a:t>6/26/2020</a:t>
+              <a:t>7/5/2020</a:t>
             </a:fld>
             <a:endParaRPr lang="en-US" dirty="0"/>
           </a:p>
@@ -4008,7 +4129,7 @@
           <a:p>
             <a:fld id="{358D3F25-9D88-42ED-96E8-DBC211AF0D76}" type="datetime1">
               <a:rPr lang="en-US" smtClean="0"/>
-              <a:t>6/26/2020</a:t>
+              <a:t>7/5/2020</a:t>
             </a:fld>
             <a:endParaRPr lang="en-US" dirty="0"/>
           </a:p>
@@ -4381,7 +4502,7 @@
           <a:p>
             <a:fld id="{7C37CB8C-70FA-4153-BBEB-5F7ACA26FE8E}" type="datetime1">
               <a:rPr lang="en-US" smtClean="0"/>
-              <a:t>6/26/2020</a:t>
+              <a:t>7/5/2020</a:t>
             </a:fld>
             <a:endParaRPr lang="en-US" dirty="0"/>
           </a:p>
@@ -4504,7 +4625,7 @@
           <a:p>
             <a:fld id="{6191611A-EB36-482A-8786-94CD01FEF31D}" type="datetime1">
               <a:rPr lang="en-US" smtClean="0"/>
-              <a:t>6/26/2020</a:t>
+              <a:t>7/5/2020</a:t>
             </a:fld>
             <a:endParaRPr lang="en-US" dirty="0"/>
           </a:p>
@@ -4599,7 +4720,7 @@
           <a:p>
             <a:fld id="{4835E79E-2A75-4126-88D6-F59F6EC6C23C}" type="datetime1">
               <a:rPr lang="en-US" smtClean="0"/>
-              <a:t>6/26/2020</a:t>
+              <a:t>7/5/2020</a:t>
             </a:fld>
             <a:endParaRPr lang="en-US" dirty="0"/>
           </a:p>
@@ -4854,7 +4975,7 @@
           <a:p>
             <a:fld id="{81789712-6BBE-4D30-A2DC-2F1BF0FA194A}" type="datetime1">
               <a:rPr lang="en-US" smtClean="0"/>
-              <a:t>6/26/2020</a:t>
+              <a:t>7/5/2020</a:t>
             </a:fld>
             <a:endParaRPr lang="en-US" dirty="0"/>
           </a:p>
@@ -5163,7 +5284,7 @@
           <a:p>
             <a:fld id="{B0968CD2-9FFD-4D44-B692-1DE10C359364}" type="datetime1">
               <a:rPr lang="en-US" smtClean="0"/>
-              <a:t>6/26/2020</a:t>
+              <a:t>7/5/2020</a:t>
             </a:fld>
             <a:endParaRPr lang="en-US" dirty="0"/>
           </a:p>
@@ -5860,7 +5981,7 @@
           <a:p>
             <a:fld id="{CB331AB7-4012-4F33-B4DF-262CFB7A8A05}" type="datetime1">
               <a:rPr lang="en-US" smtClean="0"/>
-              <a:t>6/26/2020</a:t>
+              <a:t>7/5/2020</a:t>
             </a:fld>
             <a:endParaRPr lang="en-US" dirty="0"/>
           </a:p>
@@ -6409,10 +6530,6 @@
               <a:rPr lang="en-US" sz="4400" dirty="0" smtClean="0"/>
               <a:t>MOSDEX</a:t>
             </a:r>
-            <a:r>
-              <a:rPr lang="en-US" sz="4400" dirty="0" smtClean="0"/>
-              <a:t/>
-            </a:r>
             <a:br>
               <a:rPr lang="en-US" sz="4400" dirty="0" smtClean="0"/>
             </a:br>
@@ -6528,8 +6645,8 @@
           </a:p>
         </p:txBody>
       </p:sp>
-      <mc:AlternateContent xmlns:mc="http://schemas.openxmlformats.org/markup-compatibility/2006">
-        <mc:Choice xmlns:a14="http://schemas.microsoft.com/office/drawing/2010/main" Requires="a14">
+      <mc:AlternateContent xmlns:mc="http://schemas.openxmlformats.org/markup-compatibility/2006" xmlns:a14="http://schemas.microsoft.com/office/drawing/2010/main">
+        <mc:Choice Requires="a14">
           <p:sp>
             <p:nvSpPr>
               <p:cNvPr id="3" name="Content Placeholder 2"/>
@@ -6637,7 +6754,13 @@
                             <a:rPr lang="en-US" b="0" i="1" smtClean="0">
                               <a:latin typeface="Cambria Math" panose="02040503050406030204" pitchFamily="18" charset="0"/>
                             </a:rPr>
-                            <m:t>𝑖𝑛</m:t>
+                            <m:t>𝑖</m:t>
+                          </m:r>
+                          <m:r>
+                            <a:rPr lang="en-US" b="0" i="1" smtClean="0">
+                              <a:latin typeface="Cambria Math" panose="02040503050406030204" pitchFamily="18" charset="0"/>
+                            </a:rPr>
+                            <m:t>𝑛</m:t>
                           </m:r>
                           <m:r>
                             <a:rPr lang="en-US" b="0" i="1" smtClean="0">
@@ -6777,6 +6900,12 @@
                     </m:oMath>
                   </m:oMathPara>
                 </a14:m>
+                <a:endParaRPr lang="en-US" b="0" dirty="0" smtClean="0"/>
+              </a:p>
+              <a:p>
+                <a:pPr marL="0" indent="0">
+                  <a:buNone/>
+                </a:pPr>
                 <a:endParaRPr lang="en-US" b="0" dirty="0" smtClean="0"/>
               </a:p>
               <a:p>
@@ -6963,7 +7092,13 @@
                             <a:rPr lang="en-US" b="0" i="1" smtClean="0">
                               <a:latin typeface="Cambria Math" panose="02040503050406030204" pitchFamily="18" charset="0"/>
                             </a:rPr>
-                            <m:t>𝑖𝑛</m:t>
+                            <m:t>𝑖</m:t>
+                          </m:r>
+                          <m:r>
+                            <a:rPr lang="en-US" b="0" i="1" smtClean="0">
+                              <a:latin typeface="Cambria Math" panose="02040503050406030204" pitchFamily="18" charset="0"/>
+                            </a:rPr>
+                            <m:t>𝑛</m:t>
                           </m:r>
                           <m:r>
                             <a:rPr lang="en-US" b="0" i="1" smtClean="0">
@@ -7082,7 +7217,13 @@
                                 <a:rPr lang="en-US" b="0" i="1" smtClean="0">
                                   <a:latin typeface="Cambria Math" panose="02040503050406030204" pitchFamily="18" charset="0"/>
                                 </a:rPr>
-                                <m:t>𝑖𝑛</m:t>
+                                <m:t>𝑖</m:t>
+                              </m:r>
+                              <m:r>
+                                <a:rPr lang="en-US" b="0" i="1" smtClean="0">
+                                  <a:latin typeface="Cambria Math" panose="02040503050406030204" pitchFamily="18" charset="0"/>
+                                </a:rPr>
+                                <m:t>𝑛</m:t>
                               </m:r>
                               <m:r>
                                 <a:rPr lang="en-US" b="0" i="1" smtClean="0">
@@ -7442,7 +7583,7 @@
             </p:txBody>
           </p:sp>
         </mc:Choice>
-        <mc:Fallback>
+        <mc:Fallback xmlns="">
           <p:sp>
             <p:nvSpPr>
               <p:cNvPr id="3" name="Content Placeholder 2"/>
@@ -7881,6 +8022,41 @@
       </p:grpSpPr>
       <p:sp>
         <p:nvSpPr>
+          <p:cNvPr id="29" name="TextBox 28"/>
+          <p:cNvSpPr txBox="1"/>
+          <p:nvPr/>
+        </p:nvSpPr>
+        <p:spPr>
+          <a:xfrm>
+            <a:off x="6585174" y="1837998"/>
+            <a:ext cx="914400" cy="461665"/>
+          </a:xfrm>
+          <a:prstGeom prst="rect">
+            <a:avLst/>
+          </a:prstGeom>
+          <a:noFill/>
+        </p:spPr>
+        <p:txBody>
+          <a:bodyPr wrap="square" rtlCol="0">
+            <a:spAutoFit/>
+          </a:bodyPr>
+          <a:lstStyle/>
+          <a:p>
+            <a:r>
+              <a:rPr lang="en-US" sz="1200" dirty="0"/>
+              <a:t>Visualize,</a:t>
+            </a:r>
+          </a:p>
+          <a:p>
+            <a:r>
+              <a:rPr lang="en-US" sz="1200" dirty="0"/>
+              <a:t>Interact</a:t>
+            </a:r>
+          </a:p>
+        </p:txBody>
+      </p:sp>
+      <p:sp>
+        <p:nvSpPr>
           <p:cNvPr id="2" name="Title 1"/>
           <p:cNvSpPr>
             <a:spLocks noGrp="1"/>
@@ -7894,22 +8070,28 @@
           <a:bodyPr/>
           <a:lstStyle/>
           <a:p>
-            <a:r>
-              <a:rPr lang="en-US" dirty="0" smtClean="0"/>
-              <a:t>The Future: Big Data and Streams</a:t>
-            </a:r>
-            <a:endParaRPr lang="en-US" dirty="0"/>
-          </a:p>
-        </p:txBody>
-      </p:sp>
-      <p:sp>
-        <p:nvSpPr>
-          <p:cNvPr id="3" name="Content Placeholder 2"/>
-          <p:cNvSpPr>
-            <a:spLocks noGrp="1"/>
-          </p:cNvSpPr>
-          <p:nvPr>
-            <p:ph idx="1"/>
+            <a:pPr>
+              <a:defRPr/>
+            </a:pPr>
+            <a:r>
+              <a:rPr lang="en-US" dirty="0"/>
+              <a:t>Business </a:t>
+            </a:r>
+            <a:r>
+              <a:rPr lang="en-US" dirty="0" smtClean="0"/>
+              <a:t>Solution Architecture</a:t>
+            </a:r>
+          </a:p>
+        </p:txBody>
+      </p:sp>
+      <p:sp>
+        <p:nvSpPr>
+          <p:cNvPr id="4" name="Slide Number Placeholder 3"/>
+          <p:cNvSpPr>
+            <a:spLocks noGrp="1"/>
+          </p:cNvSpPr>
+          <p:nvPr>
+            <p:ph type="sldNum" sz="quarter" idx="11"/>
           </p:nvPr>
         </p:nvSpPr>
         <p:spPr/>
@@ -7917,81 +8099,1780 @@
           <a:bodyPr/>
           <a:lstStyle/>
           <a:p>
-            <a:r>
-              <a:rPr lang="en-US" dirty="0" smtClean="0"/>
-              <a:t>Analytics in general is moving strongly and rapidly to applications on big data sets</a:t>
-            </a:r>
-          </a:p>
-          <a:p>
-            <a:r>
-              <a:rPr lang="en-US" dirty="0" smtClean="0"/>
-              <a:t>Optimization applications already support large data sets (O(1M) variables and O(100K) constraints and solvers on the horizon could increase instance sizes by another order of magnitude or more</a:t>
-            </a:r>
-          </a:p>
-          <a:p>
-            <a:pPr lvl="1"/>
-            <a:r>
-              <a:rPr lang="en-US" dirty="0" smtClean="0"/>
-              <a:t>Examples: control of millions of energy storage batteries in hybrid vehicles, stochastic electricity unit commitment, individualized marketing offers to millions of customers</a:t>
-            </a:r>
-          </a:p>
-          <a:p>
-            <a:r>
-              <a:rPr lang="en-US" dirty="0" smtClean="0"/>
-              <a:t>Data handling tools such as Hadoop and Apache Spark can now process enormous data sets, using distributed, parallel processing</a:t>
-            </a:r>
-          </a:p>
-          <a:p>
-            <a:r>
-              <a:rPr lang="en-US" dirty="0" smtClean="0"/>
-              <a:t>Data exchange format for optimization needs to be able to adapt to big data as well</a:t>
-            </a:r>
-            <a:endParaRPr lang="en-US" dirty="0"/>
-          </a:p>
-        </p:txBody>
-      </p:sp>
-      <p:sp>
-        <p:nvSpPr>
-          <p:cNvPr id="4" name="Footer Placeholder 3"/>
-          <p:cNvSpPr>
-            <a:spLocks noGrp="1"/>
-          </p:cNvSpPr>
-          <p:nvPr>
-            <p:ph type="ftr" sz="quarter" idx="11"/>
-          </p:nvPr>
-        </p:nvSpPr>
-        <p:spPr/>
-        <p:txBody>
-          <a:bodyPr/>
-          <a:lstStyle/>
-          <a:p>
-            <a:r>
+            <a:fld id="{BE9B82B6-C22A-4048-BC1B-3644428FCF94}" type="slidenum">
               <a:rPr lang="en-US" smtClean="0"/>
-              <a:t>©2020 Jeremy A. Bloom</a:t>
-            </a:r>
-            <a:endParaRPr lang="en-US" dirty="0"/>
-          </a:p>
-        </p:txBody>
-      </p:sp>
-      <p:sp>
-        <p:nvSpPr>
-          <p:cNvPr id="5" name="Slide Number Placeholder 4"/>
-          <p:cNvSpPr>
-            <a:spLocks noGrp="1"/>
-          </p:cNvSpPr>
-          <p:nvPr>
-            <p:ph type="sldNum" sz="quarter" idx="12"/>
-          </p:nvPr>
-        </p:nvSpPr>
-        <p:spPr/>
-        <p:txBody>
-          <a:bodyPr/>
-          <a:lstStyle/>
-          <a:p>
-            <a:fld id="{519954A3-9DFD-4C44-94BA-B95130A3BA1C}" type="slidenum">
-              <a:rPr lang="en-US" smtClean="0"/>
+              <a:pPr/>
               <a:t>13</a:t>
             </a:fld>
+            <a:endParaRPr lang="en-US"/>
+          </a:p>
+        </p:txBody>
+      </p:sp>
+      <p:sp>
+        <p:nvSpPr>
+          <p:cNvPr id="6" name="Rounded Rectangle 5"/>
+          <p:cNvSpPr/>
+          <p:nvPr/>
+        </p:nvSpPr>
+        <p:spPr>
+          <a:xfrm>
+            <a:off x="3806731" y="1588770"/>
+            <a:ext cx="2748280" cy="960120"/>
+          </a:xfrm>
+          <a:custGeom>
+            <a:avLst/>
+            <a:gdLst>
+              <a:gd name="connsiteX0" fmla="*/ 0 w 2743200"/>
+              <a:gd name="connsiteY0" fmla="*/ 158383 h 950277"/>
+              <a:gd name="connsiteX1" fmla="*/ 158383 w 2743200"/>
+              <a:gd name="connsiteY1" fmla="*/ 0 h 950277"/>
+              <a:gd name="connsiteX2" fmla="*/ 2584817 w 2743200"/>
+              <a:gd name="connsiteY2" fmla="*/ 0 h 950277"/>
+              <a:gd name="connsiteX3" fmla="*/ 2743200 w 2743200"/>
+              <a:gd name="connsiteY3" fmla="*/ 158383 h 950277"/>
+              <a:gd name="connsiteX4" fmla="*/ 2743200 w 2743200"/>
+              <a:gd name="connsiteY4" fmla="*/ 791894 h 950277"/>
+              <a:gd name="connsiteX5" fmla="*/ 2584817 w 2743200"/>
+              <a:gd name="connsiteY5" fmla="*/ 950277 h 950277"/>
+              <a:gd name="connsiteX6" fmla="*/ 158383 w 2743200"/>
+              <a:gd name="connsiteY6" fmla="*/ 950277 h 950277"/>
+              <a:gd name="connsiteX7" fmla="*/ 0 w 2743200"/>
+              <a:gd name="connsiteY7" fmla="*/ 791894 h 950277"/>
+              <a:gd name="connsiteX8" fmla="*/ 0 w 2743200"/>
+              <a:gd name="connsiteY8" fmla="*/ 158383 h 950277"/>
+              <a:gd name="connsiteX0" fmla="*/ 0 w 2743200"/>
+              <a:gd name="connsiteY0" fmla="*/ 158383 h 950277"/>
+              <a:gd name="connsiteX1" fmla="*/ 158383 w 2743200"/>
+              <a:gd name="connsiteY1" fmla="*/ 0 h 950277"/>
+              <a:gd name="connsiteX2" fmla="*/ 2584817 w 2743200"/>
+              <a:gd name="connsiteY2" fmla="*/ 0 h 950277"/>
+              <a:gd name="connsiteX3" fmla="*/ 2743200 w 2743200"/>
+              <a:gd name="connsiteY3" fmla="*/ 158383 h 950277"/>
+              <a:gd name="connsiteX4" fmla="*/ 2743200 w 2743200"/>
+              <a:gd name="connsiteY4" fmla="*/ 791894 h 950277"/>
+              <a:gd name="connsiteX5" fmla="*/ 2584817 w 2743200"/>
+              <a:gd name="connsiteY5" fmla="*/ 950277 h 950277"/>
+              <a:gd name="connsiteX6" fmla="*/ 726440 w 2743200"/>
+              <a:gd name="connsiteY6" fmla="*/ 950277 h 950277"/>
+              <a:gd name="connsiteX7" fmla="*/ 158383 w 2743200"/>
+              <a:gd name="connsiteY7" fmla="*/ 950277 h 950277"/>
+              <a:gd name="connsiteX8" fmla="*/ 0 w 2743200"/>
+              <a:gd name="connsiteY8" fmla="*/ 791894 h 950277"/>
+              <a:gd name="connsiteX9" fmla="*/ 0 w 2743200"/>
+              <a:gd name="connsiteY9" fmla="*/ 158383 h 950277"/>
+              <a:gd name="connsiteX0" fmla="*/ 0 w 2743200"/>
+              <a:gd name="connsiteY0" fmla="*/ 158383 h 950277"/>
+              <a:gd name="connsiteX1" fmla="*/ 158383 w 2743200"/>
+              <a:gd name="connsiteY1" fmla="*/ 0 h 950277"/>
+              <a:gd name="connsiteX2" fmla="*/ 2584817 w 2743200"/>
+              <a:gd name="connsiteY2" fmla="*/ 0 h 950277"/>
+              <a:gd name="connsiteX3" fmla="*/ 2743200 w 2743200"/>
+              <a:gd name="connsiteY3" fmla="*/ 158383 h 950277"/>
+              <a:gd name="connsiteX4" fmla="*/ 2743200 w 2743200"/>
+              <a:gd name="connsiteY4" fmla="*/ 791894 h 950277"/>
+              <a:gd name="connsiteX5" fmla="*/ 2584817 w 2743200"/>
+              <a:gd name="connsiteY5" fmla="*/ 950277 h 950277"/>
+              <a:gd name="connsiteX6" fmla="*/ 1938020 w 2743200"/>
+              <a:gd name="connsiteY6" fmla="*/ 938847 h 950277"/>
+              <a:gd name="connsiteX7" fmla="*/ 726440 w 2743200"/>
+              <a:gd name="connsiteY7" fmla="*/ 950277 h 950277"/>
+              <a:gd name="connsiteX8" fmla="*/ 158383 w 2743200"/>
+              <a:gd name="connsiteY8" fmla="*/ 950277 h 950277"/>
+              <a:gd name="connsiteX9" fmla="*/ 0 w 2743200"/>
+              <a:gd name="connsiteY9" fmla="*/ 791894 h 950277"/>
+              <a:gd name="connsiteX10" fmla="*/ 0 w 2743200"/>
+              <a:gd name="connsiteY10" fmla="*/ 158383 h 950277"/>
+              <a:gd name="connsiteX0" fmla="*/ 5080 w 2748280"/>
+              <a:gd name="connsiteY0" fmla="*/ 158383 h 950277"/>
+              <a:gd name="connsiteX1" fmla="*/ 163463 w 2748280"/>
+              <a:gd name="connsiteY1" fmla="*/ 0 h 950277"/>
+              <a:gd name="connsiteX2" fmla="*/ 2589897 w 2748280"/>
+              <a:gd name="connsiteY2" fmla="*/ 0 h 950277"/>
+              <a:gd name="connsiteX3" fmla="*/ 2748280 w 2748280"/>
+              <a:gd name="connsiteY3" fmla="*/ 158383 h 950277"/>
+              <a:gd name="connsiteX4" fmla="*/ 2748280 w 2748280"/>
+              <a:gd name="connsiteY4" fmla="*/ 791894 h 950277"/>
+              <a:gd name="connsiteX5" fmla="*/ 2589897 w 2748280"/>
+              <a:gd name="connsiteY5" fmla="*/ 950277 h 950277"/>
+              <a:gd name="connsiteX6" fmla="*/ 1943100 w 2748280"/>
+              <a:gd name="connsiteY6" fmla="*/ 938847 h 950277"/>
+              <a:gd name="connsiteX7" fmla="*/ 731520 w 2748280"/>
+              <a:gd name="connsiteY7" fmla="*/ 950277 h 950277"/>
+              <a:gd name="connsiteX8" fmla="*/ 163463 w 2748280"/>
+              <a:gd name="connsiteY8" fmla="*/ 950277 h 950277"/>
+              <a:gd name="connsiteX9" fmla="*/ 5080 w 2748280"/>
+              <a:gd name="connsiteY9" fmla="*/ 791894 h 950277"/>
+              <a:gd name="connsiteX10" fmla="*/ 0 w 2748280"/>
+              <a:gd name="connsiteY10" fmla="*/ 470217 h 950277"/>
+              <a:gd name="connsiteX11" fmla="*/ 5080 w 2748280"/>
+              <a:gd name="connsiteY11" fmla="*/ 158383 h 950277"/>
+              <a:gd name="connsiteX0" fmla="*/ 5080 w 2748280"/>
+              <a:gd name="connsiteY0" fmla="*/ 158383 h 950277"/>
+              <a:gd name="connsiteX1" fmla="*/ 163463 w 2748280"/>
+              <a:gd name="connsiteY1" fmla="*/ 0 h 950277"/>
+              <a:gd name="connsiteX2" fmla="*/ 2589897 w 2748280"/>
+              <a:gd name="connsiteY2" fmla="*/ 0 h 950277"/>
+              <a:gd name="connsiteX3" fmla="*/ 2748280 w 2748280"/>
+              <a:gd name="connsiteY3" fmla="*/ 158383 h 950277"/>
+              <a:gd name="connsiteX4" fmla="*/ 2743200 w 2748280"/>
+              <a:gd name="connsiteY4" fmla="*/ 470217 h 950277"/>
+              <a:gd name="connsiteX5" fmla="*/ 2748280 w 2748280"/>
+              <a:gd name="connsiteY5" fmla="*/ 791894 h 950277"/>
+              <a:gd name="connsiteX6" fmla="*/ 2589897 w 2748280"/>
+              <a:gd name="connsiteY6" fmla="*/ 950277 h 950277"/>
+              <a:gd name="connsiteX7" fmla="*/ 1943100 w 2748280"/>
+              <a:gd name="connsiteY7" fmla="*/ 938847 h 950277"/>
+              <a:gd name="connsiteX8" fmla="*/ 731520 w 2748280"/>
+              <a:gd name="connsiteY8" fmla="*/ 950277 h 950277"/>
+              <a:gd name="connsiteX9" fmla="*/ 163463 w 2748280"/>
+              <a:gd name="connsiteY9" fmla="*/ 950277 h 950277"/>
+              <a:gd name="connsiteX10" fmla="*/ 5080 w 2748280"/>
+              <a:gd name="connsiteY10" fmla="*/ 791894 h 950277"/>
+              <a:gd name="connsiteX11" fmla="*/ 0 w 2748280"/>
+              <a:gd name="connsiteY11" fmla="*/ 470217 h 950277"/>
+              <a:gd name="connsiteX12" fmla="*/ 5080 w 2748280"/>
+              <a:gd name="connsiteY12" fmla="*/ 158383 h 950277"/>
+              <a:gd name="connsiteX0" fmla="*/ 5080 w 2748280"/>
+              <a:gd name="connsiteY0" fmla="*/ 158383 h 950277"/>
+              <a:gd name="connsiteX1" fmla="*/ 163463 w 2748280"/>
+              <a:gd name="connsiteY1" fmla="*/ 0 h 950277"/>
+              <a:gd name="connsiteX2" fmla="*/ 697230 w 2748280"/>
+              <a:gd name="connsiteY2" fmla="*/ 1587 h 950277"/>
+              <a:gd name="connsiteX3" fmla="*/ 2589897 w 2748280"/>
+              <a:gd name="connsiteY3" fmla="*/ 0 h 950277"/>
+              <a:gd name="connsiteX4" fmla="*/ 2748280 w 2748280"/>
+              <a:gd name="connsiteY4" fmla="*/ 158383 h 950277"/>
+              <a:gd name="connsiteX5" fmla="*/ 2743200 w 2748280"/>
+              <a:gd name="connsiteY5" fmla="*/ 470217 h 950277"/>
+              <a:gd name="connsiteX6" fmla="*/ 2748280 w 2748280"/>
+              <a:gd name="connsiteY6" fmla="*/ 791894 h 950277"/>
+              <a:gd name="connsiteX7" fmla="*/ 2589897 w 2748280"/>
+              <a:gd name="connsiteY7" fmla="*/ 950277 h 950277"/>
+              <a:gd name="connsiteX8" fmla="*/ 1943100 w 2748280"/>
+              <a:gd name="connsiteY8" fmla="*/ 938847 h 950277"/>
+              <a:gd name="connsiteX9" fmla="*/ 731520 w 2748280"/>
+              <a:gd name="connsiteY9" fmla="*/ 950277 h 950277"/>
+              <a:gd name="connsiteX10" fmla="*/ 163463 w 2748280"/>
+              <a:gd name="connsiteY10" fmla="*/ 950277 h 950277"/>
+              <a:gd name="connsiteX11" fmla="*/ 5080 w 2748280"/>
+              <a:gd name="connsiteY11" fmla="*/ 791894 h 950277"/>
+              <a:gd name="connsiteX12" fmla="*/ 0 w 2748280"/>
+              <a:gd name="connsiteY12" fmla="*/ 470217 h 950277"/>
+              <a:gd name="connsiteX13" fmla="*/ 5080 w 2748280"/>
+              <a:gd name="connsiteY13" fmla="*/ 158383 h 950277"/>
+              <a:gd name="connsiteX0" fmla="*/ 5080 w 2748280"/>
+              <a:gd name="connsiteY0" fmla="*/ 168226 h 960120"/>
+              <a:gd name="connsiteX1" fmla="*/ 163463 w 2748280"/>
+              <a:gd name="connsiteY1" fmla="*/ 9843 h 960120"/>
+              <a:gd name="connsiteX2" fmla="*/ 697230 w 2748280"/>
+              <a:gd name="connsiteY2" fmla="*/ 11430 h 960120"/>
+              <a:gd name="connsiteX3" fmla="*/ 1920240 w 2748280"/>
+              <a:gd name="connsiteY3" fmla="*/ 0 h 960120"/>
+              <a:gd name="connsiteX4" fmla="*/ 2589897 w 2748280"/>
+              <a:gd name="connsiteY4" fmla="*/ 9843 h 960120"/>
+              <a:gd name="connsiteX5" fmla="*/ 2748280 w 2748280"/>
+              <a:gd name="connsiteY5" fmla="*/ 168226 h 960120"/>
+              <a:gd name="connsiteX6" fmla="*/ 2743200 w 2748280"/>
+              <a:gd name="connsiteY6" fmla="*/ 480060 h 960120"/>
+              <a:gd name="connsiteX7" fmla="*/ 2748280 w 2748280"/>
+              <a:gd name="connsiteY7" fmla="*/ 801737 h 960120"/>
+              <a:gd name="connsiteX8" fmla="*/ 2589897 w 2748280"/>
+              <a:gd name="connsiteY8" fmla="*/ 960120 h 960120"/>
+              <a:gd name="connsiteX9" fmla="*/ 1943100 w 2748280"/>
+              <a:gd name="connsiteY9" fmla="*/ 948690 h 960120"/>
+              <a:gd name="connsiteX10" fmla="*/ 731520 w 2748280"/>
+              <a:gd name="connsiteY10" fmla="*/ 960120 h 960120"/>
+              <a:gd name="connsiteX11" fmla="*/ 163463 w 2748280"/>
+              <a:gd name="connsiteY11" fmla="*/ 960120 h 960120"/>
+              <a:gd name="connsiteX12" fmla="*/ 5080 w 2748280"/>
+              <a:gd name="connsiteY12" fmla="*/ 801737 h 960120"/>
+              <a:gd name="connsiteX13" fmla="*/ 0 w 2748280"/>
+              <a:gd name="connsiteY13" fmla="*/ 480060 h 960120"/>
+              <a:gd name="connsiteX14" fmla="*/ 5080 w 2748280"/>
+              <a:gd name="connsiteY14" fmla="*/ 168226 h 960120"/>
+            </a:gdLst>
+            <a:ahLst/>
+            <a:cxnLst>
+              <a:cxn ang="0">
+                <a:pos x="connsiteX0" y="connsiteY0"/>
+              </a:cxn>
+              <a:cxn ang="0">
+                <a:pos x="connsiteX1" y="connsiteY1"/>
+              </a:cxn>
+              <a:cxn ang="0">
+                <a:pos x="connsiteX2" y="connsiteY2"/>
+              </a:cxn>
+              <a:cxn ang="0">
+                <a:pos x="connsiteX3" y="connsiteY3"/>
+              </a:cxn>
+              <a:cxn ang="0">
+                <a:pos x="connsiteX4" y="connsiteY4"/>
+              </a:cxn>
+              <a:cxn ang="0">
+                <a:pos x="connsiteX5" y="connsiteY5"/>
+              </a:cxn>
+              <a:cxn ang="0">
+                <a:pos x="connsiteX6" y="connsiteY6"/>
+              </a:cxn>
+              <a:cxn ang="0">
+                <a:pos x="connsiteX7" y="connsiteY7"/>
+              </a:cxn>
+              <a:cxn ang="0">
+                <a:pos x="connsiteX8" y="connsiteY8"/>
+              </a:cxn>
+              <a:cxn ang="0">
+                <a:pos x="connsiteX9" y="connsiteY9"/>
+              </a:cxn>
+              <a:cxn ang="0">
+                <a:pos x="connsiteX10" y="connsiteY10"/>
+              </a:cxn>
+              <a:cxn ang="0">
+                <a:pos x="connsiteX11" y="connsiteY11"/>
+              </a:cxn>
+              <a:cxn ang="0">
+                <a:pos x="connsiteX12" y="connsiteY12"/>
+              </a:cxn>
+              <a:cxn ang="0">
+                <a:pos x="connsiteX13" y="connsiteY13"/>
+              </a:cxn>
+              <a:cxn ang="0">
+                <a:pos x="connsiteX14" y="connsiteY14"/>
+              </a:cxn>
+            </a:cxnLst>
+            <a:rect l="l" t="t" r="r" b="b"/>
+            <a:pathLst>
+              <a:path w="2748280" h="960120">
+                <a:moveTo>
+                  <a:pt x="5080" y="168226"/>
+                </a:moveTo>
+                <a:cubicBezTo>
+                  <a:pt x="5080" y="80753"/>
+                  <a:pt x="75990" y="9843"/>
+                  <a:pt x="163463" y="9843"/>
+                </a:cubicBezTo>
+                <a:lnTo>
+                  <a:pt x="697230" y="11430"/>
+                </a:lnTo>
+                <a:lnTo>
+                  <a:pt x="1920240" y="0"/>
+                </a:lnTo>
+                <a:lnTo>
+                  <a:pt x="2589897" y="9843"/>
+                </a:lnTo>
+                <a:cubicBezTo>
+                  <a:pt x="2677370" y="9843"/>
+                  <a:pt x="2748280" y="80753"/>
+                  <a:pt x="2748280" y="168226"/>
+                </a:cubicBezTo>
+                <a:cubicBezTo>
+                  <a:pt x="2746587" y="272171"/>
+                  <a:pt x="2744893" y="376115"/>
+                  <a:pt x="2743200" y="480060"/>
+                </a:cubicBezTo>
+                <a:cubicBezTo>
+                  <a:pt x="2744893" y="587286"/>
+                  <a:pt x="2746587" y="694511"/>
+                  <a:pt x="2748280" y="801737"/>
+                </a:cubicBezTo>
+                <a:cubicBezTo>
+                  <a:pt x="2748280" y="889210"/>
+                  <a:pt x="2677370" y="960120"/>
+                  <a:pt x="2589897" y="960120"/>
+                </a:cubicBezTo>
+                <a:lnTo>
+                  <a:pt x="1943100" y="948690"/>
+                </a:lnTo>
+                <a:lnTo>
+                  <a:pt x="731520" y="960120"/>
+                </a:lnTo>
+                <a:lnTo>
+                  <a:pt x="163463" y="960120"/>
+                </a:lnTo>
+                <a:cubicBezTo>
+                  <a:pt x="75990" y="960120"/>
+                  <a:pt x="5080" y="889210"/>
+                  <a:pt x="5080" y="801737"/>
+                </a:cubicBezTo>
+                <a:cubicBezTo>
+                  <a:pt x="3387" y="694511"/>
+                  <a:pt x="1693" y="587286"/>
+                  <a:pt x="0" y="480060"/>
+                </a:cubicBezTo>
+                <a:cubicBezTo>
+                  <a:pt x="1693" y="376115"/>
+                  <a:pt x="3387" y="272171"/>
+                  <a:pt x="5080" y="168226"/>
+                </a:cubicBezTo>
+                <a:close/>
+              </a:path>
+            </a:pathLst>
+          </a:custGeom>
+        </p:spPr>
+        <p:style>
+          <a:lnRef idx="1">
+            <a:schemeClr val="accent1"/>
+          </a:lnRef>
+          <a:fillRef idx="3">
+            <a:schemeClr val="accent1"/>
+          </a:fillRef>
+          <a:effectRef idx="2">
+            <a:schemeClr val="accent1"/>
+          </a:effectRef>
+          <a:fontRef idx="minor">
+            <a:schemeClr val="lt1"/>
+          </a:fontRef>
+        </p:style>
+        <p:txBody>
+          <a:bodyPr rtlCol="0" anchor="ctr"/>
+          <a:lstStyle/>
+          <a:p>
+            <a:pPr algn="ctr"/>
+            <a:r>
+              <a:rPr lang="en-US" dirty="0" smtClean="0"/>
+              <a:t>Application</a:t>
+            </a:r>
+            <a:endParaRPr lang="en-US" dirty="0"/>
+          </a:p>
+        </p:txBody>
+      </p:sp>
+      <p:sp>
+        <p:nvSpPr>
+          <p:cNvPr id="9" name="Flowchart: Magnetic Disk 8"/>
+          <p:cNvSpPr/>
+          <p:nvPr/>
+        </p:nvSpPr>
+        <p:spPr>
+          <a:xfrm>
+            <a:off x="866681" y="1598614"/>
+            <a:ext cx="1531620" cy="950277"/>
+          </a:xfrm>
+          <a:prstGeom prst="flowChartMagneticDisk">
+            <a:avLst/>
+          </a:prstGeom>
+        </p:spPr>
+        <p:style>
+          <a:lnRef idx="1">
+            <a:schemeClr val="accent1"/>
+          </a:lnRef>
+          <a:fillRef idx="3">
+            <a:schemeClr val="accent1"/>
+          </a:fillRef>
+          <a:effectRef idx="2">
+            <a:schemeClr val="accent1"/>
+          </a:effectRef>
+          <a:fontRef idx="minor">
+            <a:schemeClr val="lt1"/>
+          </a:fontRef>
+        </p:style>
+        <p:txBody>
+          <a:bodyPr rtlCol="0" anchor="ctr"/>
+          <a:lstStyle/>
+          <a:p>
+            <a:pPr algn="ctr"/>
+            <a:r>
+              <a:rPr lang="en-US" dirty="0"/>
+              <a:t>Enterprise </a:t>
+            </a:r>
+            <a:r>
+              <a:rPr lang="en-US" dirty="0" smtClean="0"/>
+              <a:t>Data Service</a:t>
+            </a:r>
+            <a:endParaRPr lang="en-US" dirty="0"/>
+          </a:p>
+        </p:txBody>
+      </p:sp>
+      <p:sp>
+        <p:nvSpPr>
+          <p:cNvPr id="10" name="Flowchart: Display 9"/>
+          <p:cNvSpPr/>
+          <p:nvPr/>
+        </p:nvSpPr>
+        <p:spPr>
+          <a:xfrm>
+            <a:off x="7342410" y="1598614"/>
+            <a:ext cx="1817087" cy="950277"/>
+          </a:xfrm>
+          <a:prstGeom prst="flowChartDisplay">
+            <a:avLst/>
+          </a:prstGeom>
+        </p:spPr>
+        <p:style>
+          <a:lnRef idx="1">
+            <a:schemeClr val="accent1"/>
+          </a:lnRef>
+          <a:fillRef idx="3">
+            <a:schemeClr val="accent1"/>
+          </a:fillRef>
+          <a:effectRef idx="2">
+            <a:schemeClr val="accent1"/>
+          </a:effectRef>
+          <a:fontRef idx="minor">
+            <a:schemeClr val="lt1"/>
+          </a:fontRef>
+        </p:style>
+        <p:txBody>
+          <a:bodyPr rtlCol="0" anchor="ctr"/>
+          <a:lstStyle/>
+          <a:p>
+            <a:pPr algn="ctr"/>
+            <a:r>
+              <a:rPr lang="en-US" dirty="0" smtClean="0"/>
+              <a:t>Consumer Services</a:t>
+            </a:r>
+            <a:endParaRPr lang="en-US" dirty="0"/>
+          </a:p>
+        </p:txBody>
+      </p:sp>
+      <p:cxnSp>
+        <p:nvCxnSpPr>
+          <p:cNvPr id="12" name="Straight Arrow Connector 11"/>
+          <p:cNvCxnSpPr>
+            <a:stCxn id="9" idx="4"/>
+            <a:endCxn id="6" idx="13"/>
+          </p:cNvCxnSpPr>
+          <p:nvPr/>
+        </p:nvCxnSpPr>
+        <p:spPr>
+          <a:xfrm flipV="1">
+            <a:off x="2398301" y="2068830"/>
+            <a:ext cx="1408430" cy="4922"/>
+          </a:xfrm>
+          <a:prstGeom prst="straightConnector1">
+            <a:avLst/>
+          </a:prstGeom>
+          <a:ln>
+            <a:headEnd type="triangle"/>
+            <a:tailEnd type="triangle"/>
+          </a:ln>
+        </p:spPr>
+        <p:style>
+          <a:lnRef idx="2">
+            <a:schemeClr val="accent1"/>
+          </a:lnRef>
+          <a:fillRef idx="0">
+            <a:schemeClr val="accent1"/>
+          </a:fillRef>
+          <a:effectRef idx="1">
+            <a:schemeClr val="accent1"/>
+          </a:effectRef>
+          <a:fontRef idx="minor">
+            <a:schemeClr val="tx1"/>
+          </a:fontRef>
+        </p:style>
+      </p:cxnSp>
+      <p:sp>
+        <p:nvSpPr>
+          <p:cNvPr id="16" name="Rounded Rectangle 5"/>
+          <p:cNvSpPr/>
+          <p:nvPr/>
+        </p:nvSpPr>
+        <p:spPr>
+          <a:xfrm>
+            <a:off x="3806731" y="3432810"/>
+            <a:ext cx="2748280" cy="960120"/>
+          </a:xfrm>
+          <a:custGeom>
+            <a:avLst/>
+            <a:gdLst>
+              <a:gd name="connsiteX0" fmla="*/ 0 w 2743200"/>
+              <a:gd name="connsiteY0" fmla="*/ 158383 h 950277"/>
+              <a:gd name="connsiteX1" fmla="*/ 158383 w 2743200"/>
+              <a:gd name="connsiteY1" fmla="*/ 0 h 950277"/>
+              <a:gd name="connsiteX2" fmla="*/ 2584817 w 2743200"/>
+              <a:gd name="connsiteY2" fmla="*/ 0 h 950277"/>
+              <a:gd name="connsiteX3" fmla="*/ 2743200 w 2743200"/>
+              <a:gd name="connsiteY3" fmla="*/ 158383 h 950277"/>
+              <a:gd name="connsiteX4" fmla="*/ 2743200 w 2743200"/>
+              <a:gd name="connsiteY4" fmla="*/ 791894 h 950277"/>
+              <a:gd name="connsiteX5" fmla="*/ 2584817 w 2743200"/>
+              <a:gd name="connsiteY5" fmla="*/ 950277 h 950277"/>
+              <a:gd name="connsiteX6" fmla="*/ 158383 w 2743200"/>
+              <a:gd name="connsiteY6" fmla="*/ 950277 h 950277"/>
+              <a:gd name="connsiteX7" fmla="*/ 0 w 2743200"/>
+              <a:gd name="connsiteY7" fmla="*/ 791894 h 950277"/>
+              <a:gd name="connsiteX8" fmla="*/ 0 w 2743200"/>
+              <a:gd name="connsiteY8" fmla="*/ 158383 h 950277"/>
+              <a:gd name="connsiteX0" fmla="*/ 0 w 2743200"/>
+              <a:gd name="connsiteY0" fmla="*/ 158383 h 950277"/>
+              <a:gd name="connsiteX1" fmla="*/ 158383 w 2743200"/>
+              <a:gd name="connsiteY1" fmla="*/ 0 h 950277"/>
+              <a:gd name="connsiteX2" fmla="*/ 2584817 w 2743200"/>
+              <a:gd name="connsiteY2" fmla="*/ 0 h 950277"/>
+              <a:gd name="connsiteX3" fmla="*/ 2743200 w 2743200"/>
+              <a:gd name="connsiteY3" fmla="*/ 158383 h 950277"/>
+              <a:gd name="connsiteX4" fmla="*/ 2743200 w 2743200"/>
+              <a:gd name="connsiteY4" fmla="*/ 791894 h 950277"/>
+              <a:gd name="connsiteX5" fmla="*/ 2584817 w 2743200"/>
+              <a:gd name="connsiteY5" fmla="*/ 950277 h 950277"/>
+              <a:gd name="connsiteX6" fmla="*/ 726440 w 2743200"/>
+              <a:gd name="connsiteY6" fmla="*/ 950277 h 950277"/>
+              <a:gd name="connsiteX7" fmla="*/ 158383 w 2743200"/>
+              <a:gd name="connsiteY7" fmla="*/ 950277 h 950277"/>
+              <a:gd name="connsiteX8" fmla="*/ 0 w 2743200"/>
+              <a:gd name="connsiteY8" fmla="*/ 791894 h 950277"/>
+              <a:gd name="connsiteX9" fmla="*/ 0 w 2743200"/>
+              <a:gd name="connsiteY9" fmla="*/ 158383 h 950277"/>
+              <a:gd name="connsiteX0" fmla="*/ 0 w 2743200"/>
+              <a:gd name="connsiteY0" fmla="*/ 158383 h 950277"/>
+              <a:gd name="connsiteX1" fmla="*/ 158383 w 2743200"/>
+              <a:gd name="connsiteY1" fmla="*/ 0 h 950277"/>
+              <a:gd name="connsiteX2" fmla="*/ 2584817 w 2743200"/>
+              <a:gd name="connsiteY2" fmla="*/ 0 h 950277"/>
+              <a:gd name="connsiteX3" fmla="*/ 2743200 w 2743200"/>
+              <a:gd name="connsiteY3" fmla="*/ 158383 h 950277"/>
+              <a:gd name="connsiteX4" fmla="*/ 2743200 w 2743200"/>
+              <a:gd name="connsiteY4" fmla="*/ 791894 h 950277"/>
+              <a:gd name="connsiteX5" fmla="*/ 2584817 w 2743200"/>
+              <a:gd name="connsiteY5" fmla="*/ 950277 h 950277"/>
+              <a:gd name="connsiteX6" fmla="*/ 1938020 w 2743200"/>
+              <a:gd name="connsiteY6" fmla="*/ 938847 h 950277"/>
+              <a:gd name="connsiteX7" fmla="*/ 726440 w 2743200"/>
+              <a:gd name="connsiteY7" fmla="*/ 950277 h 950277"/>
+              <a:gd name="connsiteX8" fmla="*/ 158383 w 2743200"/>
+              <a:gd name="connsiteY8" fmla="*/ 950277 h 950277"/>
+              <a:gd name="connsiteX9" fmla="*/ 0 w 2743200"/>
+              <a:gd name="connsiteY9" fmla="*/ 791894 h 950277"/>
+              <a:gd name="connsiteX10" fmla="*/ 0 w 2743200"/>
+              <a:gd name="connsiteY10" fmla="*/ 158383 h 950277"/>
+              <a:gd name="connsiteX0" fmla="*/ 5080 w 2748280"/>
+              <a:gd name="connsiteY0" fmla="*/ 158383 h 950277"/>
+              <a:gd name="connsiteX1" fmla="*/ 163463 w 2748280"/>
+              <a:gd name="connsiteY1" fmla="*/ 0 h 950277"/>
+              <a:gd name="connsiteX2" fmla="*/ 2589897 w 2748280"/>
+              <a:gd name="connsiteY2" fmla="*/ 0 h 950277"/>
+              <a:gd name="connsiteX3" fmla="*/ 2748280 w 2748280"/>
+              <a:gd name="connsiteY3" fmla="*/ 158383 h 950277"/>
+              <a:gd name="connsiteX4" fmla="*/ 2748280 w 2748280"/>
+              <a:gd name="connsiteY4" fmla="*/ 791894 h 950277"/>
+              <a:gd name="connsiteX5" fmla="*/ 2589897 w 2748280"/>
+              <a:gd name="connsiteY5" fmla="*/ 950277 h 950277"/>
+              <a:gd name="connsiteX6" fmla="*/ 1943100 w 2748280"/>
+              <a:gd name="connsiteY6" fmla="*/ 938847 h 950277"/>
+              <a:gd name="connsiteX7" fmla="*/ 731520 w 2748280"/>
+              <a:gd name="connsiteY7" fmla="*/ 950277 h 950277"/>
+              <a:gd name="connsiteX8" fmla="*/ 163463 w 2748280"/>
+              <a:gd name="connsiteY8" fmla="*/ 950277 h 950277"/>
+              <a:gd name="connsiteX9" fmla="*/ 5080 w 2748280"/>
+              <a:gd name="connsiteY9" fmla="*/ 791894 h 950277"/>
+              <a:gd name="connsiteX10" fmla="*/ 0 w 2748280"/>
+              <a:gd name="connsiteY10" fmla="*/ 470217 h 950277"/>
+              <a:gd name="connsiteX11" fmla="*/ 5080 w 2748280"/>
+              <a:gd name="connsiteY11" fmla="*/ 158383 h 950277"/>
+              <a:gd name="connsiteX0" fmla="*/ 5080 w 2748280"/>
+              <a:gd name="connsiteY0" fmla="*/ 158383 h 950277"/>
+              <a:gd name="connsiteX1" fmla="*/ 163463 w 2748280"/>
+              <a:gd name="connsiteY1" fmla="*/ 0 h 950277"/>
+              <a:gd name="connsiteX2" fmla="*/ 2589897 w 2748280"/>
+              <a:gd name="connsiteY2" fmla="*/ 0 h 950277"/>
+              <a:gd name="connsiteX3" fmla="*/ 2748280 w 2748280"/>
+              <a:gd name="connsiteY3" fmla="*/ 158383 h 950277"/>
+              <a:gd name="connsiteX4" fmla="*/ 2743200 w 2748280"/>
+              <a:gd name="connsiteY4" fmla="*/ 470217 h 950277"/>
+              <a:gd name="connsiteX5" fmla="*/ 2748280 w 2748280"/>
+              <a:gd name="connsiteY5" fmla="*/ 791894 h 950277"/>
+              <a:gd name="connsiteX6" fmla="*/ 2589897 w 2748280"/>
+              <a:gd name="connsiteY6" fmla="*/ 950277 h 950277"/>
+              <a:gd name="connsiteX7" fmla="*/ 1943100 w 2748280"/>
+              <a:gd name="connsiteY7" fmla="*/ 938847 h 950277"/>
+              <a:gd name="connsiteX8" fmla="*/ 731520 w 2748280"/>
+              <a:gd name="connsiteY8" fmla="*/ 950277 h 950277"/>
+              <a:gd name="connsiteX9" fmla="*/ 163463 w 2748280"/>
+              <a:gd name="connsiteY9" fmla="*/ 950277 h 950277"/>
+              <a:gd name="connsiteX10" fmla="*/ 5080 w 2748280"/>
+              <a:gd name="connsiteY10" fmla="*/ 791894 h 950277"/>
+              <a:gd name="connsiteX11" fmla="*/ 0 w 2748280"/>
+              <a:gd name="connsiteY11" fmla="*/ 470217 h 950277"/>
+              <a:gd name="connsiteX12" fmla="*/ 5080 w 2748280"/>
+              <a:gd name="connsiteY12" fmla="*/ 158383 h 950277"/>
+              <a:gd name="connsiteX0" fmla="*/ 5080 w 2748280"/>
+              <a:gd name="connsiteY0" fmla="*/ 158383 h 950277"/>
+              <a:gd name="connsiteX1" fmla="*/ 163463 w 2748280"/>
+              <a:gd name="connsiteY1" fmla="*/ 0 h 950277"/>
+              <a:gd name="connsiteX2" fmla="*/ 697230 w 2748280"/>
+              <a:gd name="connsiteY2" fmla="*/ 1587 h 950277"/>
+              <a:gd name="connsiteX3" fmla="*/ 2589897 w 2748280"/>
+              <a:gd name="connsiteY3" fmla="*/ 0 h 950277"/>
+              <a:gd name="connsiteX4" fmla="*/ 2748280 w 2748280"/>
+              <a:gd name="connsiteY4" fmla="*/ 158383 h 950277"/>
+              <a:gd name="connsiteX5" fmla="*/ 2743200 w 2748280"/>
+              <a:gd name="connsiteY5" fmla="*/ 470217 h 950277"/>
+              <a:gd name="connsiteX6" fmla="*/ 2748280 w 2748280"/>
+              <a:gd name="connsiteY6" fmla="*/ 791894 h 950277"/>
+              <a:gd name="connsiteX7" fmla="*/ 2589897 w 2748280"/>
+              <a:gd name="connsiteY7" fmla="*/ 950277 h 950277"/>
+              <a:gd name="connsiteX8" fmla="*/ 1943100 w 2748280"/>
+              <a:gd name="connsiteY8" fmla="*/ 938847 h 950277"/>
+              <a:gd name="connsiteX9" fmla="*/ 731520 w 2748280"/>
+              <a:gd name="connsiteY9" fmla="*/ 950277 h 950277"/>
+              <a:gd name="connsiteX10" fmla="*/ 163463 w 2748280"/>
+              <a:gd name="connsiteY10" fmla="*/ 950277 h 950277"/>
+              <a:gd name="connsiteX11" fmla="*/ 5080 w 2748280"/>
+              <a:gd name="connsiteY11" fmla="*/ 791894 h 950277"/>
+              <a:gd name="connsiteX12" fmla="*/ 0 w 2748280"/>
+              <a:gd name="connsiteY12" fmla="*/ 470217 h 950277"/>
+              <a:gd name="connsiteX13" fmla="*/ 5080 w 2748280"/>
+              <a:gd name="connsiteY13" fmla="*/ 158383 h 950277"/>
+              <a:gd name="connsiteX0" fmla="*/ 5080 w 2748280"/>
+              <a:gd name="connsiteY0" fmla="*/ 168226 h 960120"/>
+              <a:gd name="connsiteX1" fmla="*/ 163463 w 2748280"/>
+              <a:gd name="connsiteY1" fmla="*/ 9843 h 960120"/>
+              <a:gd name="connsiteX2" fmla="*/ 697230 w 2748280"/>
+              <a:gd name="connsiteY2" fmla="*/ 11430 h 960120"/>
+              <a:gd name="connsiteX3" fmla="*/ 1920240 w 2748280"/>
+              <a:gd name="connsiteY3" fmla="*/ 0 h 960120"/>
+              <a:gd name="connsiteX4" fmla="*/ 2589897 w 2748280"/>
+              <a:gd name="connsiteY4" fmla="*/ 9843 h 960120"/>
+              <a:gd name="connsiteX5" fmla="*/ 2748280 w 2748280"/>
+              <a:gd name="connsiteY5" fmla="*/ 168226 h 960120"/>
+              <a:gd name="connsiteX6" fmla="*/ 2743200 w 2748280"/>
+              <a:gd name="connsiteY6" fmla="*/ 480060 h 960120"/>
+              <a:gd name="connsiteX7" fmla="*/ 2748280 w 2748280"/>
+              <a:gd name="connsiteY7" fmla="*/ 801737 h 960120"/>
+              <a:gd name="connsiteX8" fmla="*/ 2589897 w 2748280"/>
+              <a:gd name="connsiteY8" fmla="*/ 960120 h 960120"/>
+              <a:gd name="connsiteX9" fmla="*/ 1943100 w 2748280"/>
+              <a:gd name="connsiteY9" fmla="*/ 948690 h 960120"/>
+              <a:gd name="connsiteX10" fmla="*/ 731520 w 2748280"/>
+              <a:gd name="connsiteY10" fmla="*/ 960120 h 960120"/>
+              <a:gd name="connsiteX11" fmla="*/ 163463 w 2748280"/>
+              <a:gd name="connsiteY11" fmla="*/ 960120 h 960120"/>
+              <a:gd name="connsiteX12" fmla="*/ 5080 w 2748280"/>
+              <a:gd name="connsiteY12" fmla="*/ 801737 h 960120"/>
+              <a:gd name="connsiteX13" fmla="*/ 0 w 2748280"/>
+              <a:gd name="connsiteY13" fmla="*/ 480060 h 960120"/>
+              <a:gd name="connsiteX14" fmla="*/ 5080 w 2748280"/>
+              <a:gd name="connsiteY14" fmla="*/ 168226 h 960120"/>
+              <a:gd name="connsiteX0" fmla="*/ 5080 w 2748280"/>
+              <a:gd name="connsiteY0" fmla="*/ 168226 h 960120"/>
+              <a:gd name="connsiteX1" fmla="*/ 163463 w 2748280"/>
+              <a:gd name="connsiteY1" fmla="*/ 9843 h 960120"/>
+              <a:gd name="connsiteX2" fmla="*/ 754380 w 2748280"/>
+              <a:gd name="connsiteY2" fmla="*/ 11430 h 960120"/>
+              <a:gd name="connsiteX3" fmla="*/ 1920240 w 2748280"/>
+              <a:gd name="connsiteY3" fmla="*/ 0 h 960120"/>
+              <a:gd name="connsiteX4" fmla="*/ 2589897 w 2748280"/>
+              <a:gd name="connsiteY4" fmla="*/ 9843 h 960120"/>
+              <a:gd name="connsiteX5" fmla="*/ 2748280 w 2748280"/>
+              <a:gd name="connsiteY5" fmla="*/ 168226 h 960120"/>
+              <a:gd name="connsiteX6" fmla="*/ 2743200 w 2748280"/>
+              <a:gd name="connsiteY6" fmla="*/ 480060 h 960120"/>
+              <a:gd name="connsiteX7" fmla="*/ 2748280 w 2748280"/>
+              <a:gd name="connsiteY7" fmla="*/ 801737 h 960120"/>
+              <a:gd name="connsiteX8" fmla="*/ 2589897 w 2748280"/>
+              <a:gd name="connsiteY8" fmla="*/ 960120 h 960120"/>
+              <a:gd name="connsiteX9" fmla="*/ 1943100 w 2748280"/>
+              <a:gd name="connsiteY9" fmla="*/ 948690 h 960120"/>
+              <a:gd name="connsiteX10" fmla="*/ 731520 w 2748280"/>
+              <a:gd name="connsiteY10" fmla="*/ 960120 h 960120"/>
+              <a:gd name="connsiteX11" fmla="*/ 163463 w 2748280"/>
+              <a:gd name="connsiteY11" fmla="*/ 960120 h 960120"/>
+              <a:gd name="connsiteX12" fmla="*/ 5080 w 2748280"/>
+              <a:gd name="connsiteY12" fmla="*/ 801737 h 960120"/>
+              <a:gd name="connsiteX13" fmla="*/ 0 w 2748280"/>
+              <a:gd name="connsiteY13" fmla="*/ 480060 h 960120"/>
+              <a:gd name="connsiteX14" fmla="*/ 5080 w 2748280"/>
+              <a:gd name="connsiteY14" fmla="*/ 168226 h 960120"/>
+              <a:gd name="connsiteX0" fmla="*/ 5080 w 2748280"/>
+              <a:gd name="connsiteY0" fmla="*/ 168226 h 960120"/>
+              <a:gd name="connsiteX1" fmla="*/ 163463 w 2748280"/>
+              <a:gd name="connsiteY1" fmla="*/ 9843 h 960120"/>
+              <a:gd name="connsiteX2" fmla="*/ 720090 w 2748280"/>
+              <a:gd name="connsiteY2" fmla="*/ 11430 h 960120"/>
+              <a:gd name="connsiteX3" fmla="*/ 1920240 w 2748280"/>
+              <a:gd name="connsiteY3" fmla="*/ 0 h 960120"/>
+              <a:gd name="connsiteX4" fmla="*/ 2589897 w 2748280"/>
+              <a:gd name="connsiteY4" fmla="*/ 9843 h 960120"/>
+              <a:gd name="connsiteX5" fmla="*/ 2748280 w 2748280"/>
+              <a:gd name="connsiteY5" fmla="*/ 168226 h 960120"/>
+              <a:gd name="connsiteX6" fmla="*/ 2743200 w 2748280"/>
+              <a:gd name="connsiteY6" fmla="*/ 480060 h 960120"/>
+              <a:gd name="connsiteX7" fmla="*/ 2748280 w 2748280"/>
+              <a:gd name="connsiteY7" fmla="*/ 801737 h 960120"/>
+              <a:gd name="connsiteX8" fmla="*/ 2589897 w 2748280"/>
+              <a:gd name="connsiteY8" fmla="*/ 960120 h 960120"/>
+              <a:gd name="connsiteX9" fmla="*/ 1943100 w 2748280"/>
+              <a:gd name="connsiteY9" fmla="*/ 948690 h 960120"/>
+              <a:gd name="connsiteX10" fmla="*/ 731520 w 2748280"/>
+              <a:gd name="connsiteY10" fmla="*/ 960120 h 960120"/>
+              <a:gd name="connsiteX11" fmla="*/ 163463 w 2748280"/>
+              <a:gd name="connsiteY11" fmla="*/ 960120 h 960120"/>
+              <a:gd name="connsiteX12" fmla="*/ 5080 w 2748280"/>
+              <a:gd name="connsiteY12" fmla="*/ 801737 h 960120"/>
+              <a:gd name="connsiteX13" fmla="*/ 0 w 2748280"/>
+              <a:gd name="connsiteY13" fmla="*/ 480060 h 960120"/>
+              <a:gd name="connsiteX14" fmla="*/ 5080 w 2748280"/>
+              <a:gd name="connsiteY14" fmla="*/ 168226 h 960120"/>
+              <a:gd name="connsiteX0" fmla="*/ 5080 w 2748280"/>
+              <a:gd name="connsiteY0" fmla="*/ 168226 h 960120"/>
+              <a:gd name="connsiteX1" fmla="*/ 163463 w 2748280"/>
+              <a:gd name="connsiteY1" fmla="*/ 9843 h 960120"/>
+              <a:gd name="connsiteX2" fmla="*/ 731520 w 2748280"/>
+              <a:gd name="connsiteY2" fmla="*/ 11430 h 960120"/>
+              <a:gd name="connsiteX3" fmla="*/ 1920240 w 2748280"/>
+              <a:gd name="connsiteY3" fmla="*/ 0 h 960120"/>
+              <a:gd name="connsiteX4" fmla="*/ 2589897 w 2748280"/>
+              <a:gd name="connsiteY4" fmla="*/ 9843 h 960120"/>
+              <a:gd name="connsiteX5" fmla="*/ 2748280 w 2748280"/>
+              <a:gd name="connsiteY5" fmla="*/ 168226 h 960120"/>
+              <a:gd name="connsiteX6" fmla="*/ 2743200 w 2748280"/>
+              <a:gd name="connsiteY6" fmla="*/ 480060 h 960120"/>
+              <a:gd name="connsiteX7" fmla="*/ 2748280 w 2748280"/>
+              <a:gd name="connsiteY7" fmla="*/ 801737 h 960120"/>
+              <a:gd name="connsiteX8" fmla="*/ 2589897 w 2748280"/>
+              <a:gd name="connsiteY8" fmla="*/ 960120 h 960120"/>
+              <a:gd name="connsiteX9" fmla="*/ 1943100 w 2748280"/>
+              <a:gd name="connsiteY9" fmla="*/ 948690 h 960120"/>
+              <a:gd name="connsiteX10" fmla="*/ 731520 w 2748280"/>
+              <a:gd name="connsiteY10" fmla="*/ 960120 h 960120"/>
+              <a:gd name="connsiteX11" fmla="*/ 163463 w 2748280"/>
+              <a:gd name="connsiteY11" fmla="*/ 960120 h 960120"/>
+              <a:gd name="connsiteX12" fmla="*/ 5080 w 2748280"/>
+              <a:gd name="connsiteY12" fmla="*/ 801737 h 960120"/>
+              <a:gd name="connsiteX13" fmla="*/ 0 w 2748280"/>
+              <a:gd name="connsiteY13" fmla="*/ 480060 h 960120"/>
+              <a:gd name="connsiteX14" fmla="*/ 5080 w 2748280"/>
+              <a:gd name="connsiteY14" fmla="*/ 168226 h 960120"/>
+              <a:gd name="connsiteX0" fmla="*/ 5080 w 2748280"/>
+              <a:gd name="connsiteY0" fmla="*/ 168226 h 960120"/>
+              <a:gd name="connsiteX1" fmla="*/ 163463 w 2748280"/>
+              <a:gd name="connsiteY1" fmla="*/ 9843 h 960120"/>
+              <a:gd name="connsiteX2" fmla="*/ 731520 w 2748280"/>
+              <a:gd name="connsiteY2" fmla="*/ 11430 h 960120"/>
+              <a:gd name="connsiteX3" fmla="*/ 1965960 w 2748280"/>
+              <a:gd name="connsiteY3" fmla="*/ 0 h 960120"/>
+              <a:gd name="connsiteX4" fmla="*/ 2589897 w 2748280"/>
+              <a:gd name="connsiteY4" fmla="*/ 9843 h 960120"/>
+              <a:gd name="connsiteX5" fmla="*/ 2748280 w 2748280"/>
+              <a:gd name="connsiteY5" fmla="*/ 168226 h 960120"/>
+              <a:gd name="connsiteX6" fmla="*/ 2743200 w 2748280"/>
+              <a:gd name="connsiteY6" fmla="*/ 480060 h 960120"/>
+              <a:gd name="connsiteX7" fmla="*/ 2748280 w 2748280"/>
+              <a:gd name="connsiteY7" fmla="*/ 801737 h 960120"/>
+              <a:gd name="connsiteX8" fmla="*/ 2589897 w 2748280"/>
+              <a:gd name="connsiteY8" fmla="*/ 960120 h 960120"/>
+              <a:gd name="connsiteX9" fmla="*/ 1943100 w 2748280"/>
+              <a:gd name="connsiteY9" fmla="*/ 948690 h 960120"/>
+              <a:gd name="connsiteX10" fmla="*/ 731520 w 2748280"/>
+              <a:gd name="connsiteY10" fmla="*/ 960120 h 960120"/>
+              <a:gd name="connsiteX11" fmla="*/ 163463 w 2748280"/>
+              <a:gd name="connsiteY11" fmla="*/ 960120 h 960120"/>
+              <a:gd name="connsiteX12" fmla="*/ 5080 w 2748280"/>
+              <a:gd name="connsiteY12" fmla="*/ 801737 h 960120"/>
+              <a:gd name="connsiteX13" fmla="*/ 0 w 2748280"/>
+              <a:gd name="connsiteY13" fmla="*/ 480060 h 960120"/>
+              <a:gd name="connsiteX14" fmla="*/ 5080 w 2748280"/>
+              <a:gd name="connsiteY14" fmla="*/ 168226 h 960120"/>
+              <a:gd name="connsiteX0" fmla="*/ 5080 w 2748280"/>
+              <a:gd name="connsiteY0" fmla="*/ 168226 h 960120"/>
+              <a:gd name="connsiteX1" fmla="*/ 163463 w 2748280"/>
+              <a:gd name="connsiteY1" fmla="*/ 9843 h 960120"/>
+              <a:gd name="connsiteX2" fmla="*/ 731520 w 2748280"/>
+              <a:gd name="connsiteY2" fmla="*/ 11430 h 960120"/>
+              <a:gd name="connsiteX3" fmla="*/ 1931670 w 2748280"/>
+              <a:gd name="connsiteY3" fmla="*/ 0 h 960120"/>
+              <a:gd name="connsiteX4" fmla="*/ 2589897 w 2748280"/>
+              <a:gd name="connsiteY4" fmla="*/ 9843 h 960120"/>
+              <a:gd name="connsiteX5" fmla="*/ 2748280 w 2748280"/>
+              <a:gd name="connsiteY5" fmla="*/ 168226 h 960120"/>
+              <a:gd name="connsiteX6" fmla="*/ 2743200 w 2748280"/>
+              <a:gd name="connsiteY6" fmla="*/ 480060 h 960120"/>
+              <a:gd name="connsiteX7" fmla="*/ 2748280 w 2748280"/>
+              <a:gd name="connsiteY7" fmla="*/ 801737 h 960120"/>
+              <a:gd name="connsiteX8" fmla="*/ 2589897 w 2748280"/>
+              <a:gd name="connsiteY8" fmla="*/ 960120 h 960120"/>
+              <a:gd name="connsiteX9" fmla="*/ 1943100 w 2748280"/>
+              <a:gd name="connsiteY9" fmla="*/ 948690 h 960120"/>
+              <a:gd name="connsiteX10" fmla="*/ 731520 w 2748280"/>
+              <a:gd name="connsiteY10" fmla="*/ 960120 h 960120"/>
+              <a:gd name="connsiteX11" fmla="*/ 163463 w 2748280"/>
+              <a:gd name="connsiteY11" fmla="*/ 960120 h 960120"/>
+              <a:gd name="connsiteX12" fmla="*/ 5080 w 2748280"/>
+              <a:gd name="connsiteY12" fmla="*/ 801737 h 960120"/>
+              <a:gd name="connsiteX13" fmla="*/ 0 w 2748280"/>
+              <a:gd name="connsiteY13" fmla="*/ 480060 h 960120"/>
+              <a:gd name="connsiteX14" fmla="*/ 5080 w 2748280"/>
+              <a:gd name="connsiteY14" fmla="*/ 168226 h 960120"/>
+              <a:gd name="connsiteX0" fmla="*/ 5080 w 2748280"/>
+              <a:gd name="connsiteY0" fmla="*/ 168226 h 960120"/>
+              <a:gd name="connsiteX1" fmla="*/ 163463 w 2748280"/>
+              <a:gd name="connsiteY1" fmla="*/ 9843 h 960120"/>
+              <a:gd name="connsiteX2" fmla="*/ 731520 w 2748280"/>
+              <a:gd name="connsiteY2" fmla="*/ 11430 h 960120"/>
+              <a:gd name="connsiteX3" fmla="*/ 1954530 w 2748280"/>
+              <a:gd name="connsiteY3" fmla="*/ 0 h 960120"/>
+              <a:gd name="connsiteX4" fmla="*/ 2589897 w 2748280"/>
+              <a:gd name="connsiteY4" fmla="*/ 9843 h 960120"/>
+              <a:gd name="connsiteX5" fmla="*/ 2748280 w 2748280"/>
+              <a:gd name="connsiteY5" fmla="*/ 168226 h 960120"/>
+              <a:gd name="connsiteX6" fmla="*/ 2743200 w 2748280"/>
+              <a:gd name="connsiteY6" fmla="*/ 480060 h 960120"/>
+              <a:gd name="connsiteX7" fmla="*/ 2748280 w 2748280"/>
+              <a:gd name="connsiteY7" fmla="*/ 801737 h 960120"/>
+              <a:gd name="connsiteX8" fmla="*/ 2589897 w 2748280"/>
+              <a:gd name="connsiteY8" fmla="*/ 960120 h 960120"/>
+              <a:gd name="connsiteX9" fmla="*/ 1943100 w 2748280"/>
+              <a:gd name="connsiteY9" fmla="*/ 948690 h 960120"/>
+              <a:gd name="connsiteX10" fmla="*/ 731520 w 2748280"/>
+              <a:gd name="connsiteY10" fmla="*/ 960120 h 960120"/>
+              <a:gd name="connsiteX11" fmla="*/ 163463 w 2748280"/>
+              <a:gd name="connsiteY11" fmla="*/ 960120 h 960120"/>
+              <a:gd name="connsiteX12" fmla="*/ 5080 w 2748280"/>
+              <a:gd name="connsiteY12" fmla="*/ 801737 h 960120"/>
+              <a:gd name="connsiteX13" fmla="*/ 0 w 2748280"/>
+              <a:gd name="connsiteY13" fmla="*/ 480060 h 960120"/>
+              <a:gd name="connsiteX14" fmla="*/ 5080 w 2748280"/>
+              <a:gd name="connsiteY14" fmla="*/ 168226 h 960120"/>
+            </a:gdLst>
+            <a:ahLst/>
+            <a:cxnLst>
+              <a:cxn ang="0">
+                <a:pos x="connsiteX0" y="connsiteY0"/>
+              </a:cxn>
+              <a:cxn ang="0">
+                <a:pos x="connsiteX1" y="connsiteY1"/>
+              </a:cxn>
+              <a:cxn ang="0">
+                <a:pos x="connsiteX2" y="connsiteY2"/>
+              </a:cxn>
+              <a:cxn ang="0">
+                <a:pos x="connsiteX3" y="connsiteY3"/>
+              </a:cxn>
+              <a:cxn ang="0">
+                <a:pos x="connsiteX4" y="connsiteY4"/>
+              </a:cxn>
+              <a:cxn ang="0">
+                <a:pos x="connsiteX5" y="connsiteY5"/>
+              </a:cxn>
+              <a:cxn ang="0">
+                <a:pos x="connsiteX6" y="connsiteY6"/>
+              </a:cxn>
+              <a:cxn ang="0">
+                <a:pos x="connsiteX7" y="connsiteY7"/>
+              </a:cxn>
+              <a:cxn ang="0">
+                <a:pos x="connsiteX8" y="connsiteY8"/>
+              </a:cxn>
+              <a:cxn ang="0">
+                <a:pos x="connsiteX9" y="connsiteY9"/>
+              </a:cxn>
+              <a:cxn ang="0">
+                <a:pos x="connsiteX10" y="connsiteY10"/>
+              </a:cxn>
+              <a:cxn ang="0">
+                <a:pos x="connsiteX11" y="connsiteY11"/>
+              </a:cxn>
+              <a:cxn ang="0">
+                <a:pos x="connsiteX12" y="connsiteY12"/>
+              </a:cxn>
+              <a:cxn ang="0">
+                <a:pos x="connsiteX13" y="connsiteY13"/>
+              </a:cxn>
+              <a:cxn ang="0">
+                <a:pos x="connsiteX14" y="connsiteY14"/>
+              </a:cxn>
+            </a:cxnLst>
+            <a:rect l="l" t="t" r="r" b="b"/>
+            <a:pathLst>
+              <a:path w="2748280" h="960120">
+                <a:moveTo>
+                  <a:pt x="5080" y="168226"/>
+                </a:moveTo>
+                <a:cubicBezTo>
+                  <a:pt x="5080" y="80753"/>
+                  <a:pt x="75990" y="9843"/>
+                  <a:pt x="163463" y="9843"/>
+                </a:cubicBezTo>
+                <a:lnTo>
+                  <a:pt x="731520" y="11430"/>
+                </a:lnTo>
+                <a:lnTo>
+                  <a:pt x="1954530" y="0"/>
+                </a:lnTo>
+                <a:lnTo>
+                  <a:pt x="2589897" y="9843"/>
+                </a:lnTo>
+                <a:cubicBezTo>
+                  <a:pt x="2677370" y="9843"/>
+                  <a:pt x="2748280" y="80753"/>
+                  <a:pt x="2748280" y="168226"/>
+                </a:cubicBezTo>
+                <a:cubicBezTo>
+                  <a:pt x="2746587" y="272171"/>
+                  <a:pt x="2744893" y="376115"/>
+                  <a:pt x="2743200" y="480060"/>
+                </a:cubicBezTo>
+                <a:cubicBezTo>
+                  <a:pt x="2744893" y="587286"/>
+                  <a:pt x="2746587" y="694511"/>
+                  <a:pt x="2748280" y="801737"/>
+                </a:cubicBezTo>
+                <a:cubicBezTo>
+                  <a:pt x="2748280" y="889210"/>
+                  <a:pt x="2677370" y="960120"/>
+                  <a:pt x="2589897" y="960120"/>
+                </a:cubicBezTo>
+                <a:lnTo>
+                  <a:pt x="1943100" y="948690"/>
+                </a:lnTo>
+                <a:lnTo>
+                  <a:pt x="731520" y="960120"/>
+                </a:lnTo>
+                <a:lnTo>
+                  <a:pt x="163463" y="960120"/>
+                </a:lnTo>
+                <a:cubicBezTo>
+                  <a:pt x="75990" y="960120"/>
+                  <a:pt x="5080" y="889210"/>
+                  <a:pt x="5080" y="801737"/>
+                </a:cubicBezTo>
+                <a:cubicBezTo>
+                  <a:pt x="3387" y="694511"/>
+                  <a:pt x="1693" y="587286"/>
+                  <a:pt x="0" y="480060"/>
+                </a:cubicBezTo>
+                <a:cubicBezTo>
+                  <a:pt x="1693" y="376115"/>
+                  <a:pt x="3387" y="272171"/>
+                  <a:pt x="5080" y="168226"/>
+                </a:cubicBezTo>
+                <a:close/>
+              </a:path>
+            </a:pathLst>
+          </a:custGeom>
+        </p:spPr>
+        <p:style>
+          <a:lnRef idx="1">
+            <a:schemeClr val="accent1"/>
+          </a:lnRef>
+          <a:fillRef idx="3">
+            <a:schemeClr val="accent1"/>
+          </a:fillRef>
+          <a:effectRef idx="2">
+            <a:schemeClr val="accent1"/>
+          </a:effectRef>
+          <a:fontRef idx="minor">
+            <a:schemeClr val="lt1"/>
+          </a:fontRef>
+        </p:style>
+        <p:txBody>
+          <a:bodyPr rtlCol="0" anchor="ctr"/>
+          <a:lstStyle/>
+          <a:p>
+            <a:pPr algn="ctr"/>
+            <a:r>
+              <a:rPr lang="en-US" dirty="0"/>
+              <a:t>Modeling </a:t>
+            </a:r>
+            <a:r>
+              <a:rPr lang="en-US" dirty="0" smtClean="0"/>
+              <a:t>Layer</a:t>
+            </a:r>
+            <a:endParaRPr lang="en-US" dirty="0"/>
+          </a:p>
+        </p:txBody>
+      </p:sp>
+      <p:sp>
+        <p:nvSpPr>
+          <p:cNvPr id="17" name="Rounded Rectangle 5"/>
+          <p:cNvSpPr/>
+          <p:nvPr/>
+        </p:nvSpPr>
+        <p:spPr>
+          <a:xfrm>
+            <a:off x="3806731" y="5286694"/>
+            <a:ext cx="2748280" cy="950277"/>
+          </a:xfrm>
+          <a:custGeom>
+            <a:avLst/>
+            <a:gdLst>
+              <a:gd name="connsiteX0" fmla="*/ 0 w 2743200"/>
+              <a:gd name="connsiteY0" fmla="*/ 158383 h 950277"/>
+              <a:gd name="connsiteX1" fmla="*/ 158383 w 2743200"/>
+              <a:gd name="connsiteY1" fmla="*/ 0 h 950277"/>
+              <a:gd name="connsiteX2" fmla="*/ 2584817 w 2743200"/>
+              <a:gd name="connsiteY2" fmla="*/ 0 h 950277"/>
+              <a:gd name="connsiteX3" fmla="*/ 2743200 w 2743200"/>
+              <a:gd name="connsiteY3" fmla="*/ 158383 h 950277"/>
+              <a:gd name="connsiteX4" fmla="*/ 2743200 w 2743200"/>
+              <a:gd name="connsiteY4" fmla="*/ 791894 h 950277"/>
+              <a:gd name="connsiteX5" fmla="*/ 2584817 w 2743200"/>
+              <a:gd name="connsiteY5" fmla="*/ 950277 h 950277"/>
+              <a:gd name="connsiteX6" fmla="*/ 158383 w 2743200"/>
+              <a:gd name="connsiteY6" fmla="*/ 950277 h 950277"/>
+              <a:gd name="connsiteX7" fmla="*/ 0 w 2743200"/>
+              <a:gd name="connsiteY7" fmla="*/ 791894 h 950277"/>
+              <a:gd name="connsiteX8" fmla="*/ 0 w 2743200"/>
+              <a:gd name="connsiteY8" fmla="*/ 158383 h 950277"/>
+              <a:gd name="connsiteX0" fmla="*/ 0 w 2743200"/>
+              <a:gd name="connsiteY0" fmla="*/ 158383 h 950277"/>
+              <a:gd name="connsiteX1" fmla="*/ 158383 w 2743200"/>
+              <a:gd name="connsiteY1" fmla="*/ 0 h 950277"/>
+              <a:gd name="connsiteX2" fmla="*/ 2584817 w 2743200"/>
+              <a:gd name="connsiteY2" fmla="*/ 0 h 950277"/>
+              <a:gd name="connsiteX3" fmla="*/ 2743200 w 2743200"/>
+              <a:gd name="connsiteY3" fmla="*/ 158383 h 950277"/>
+              <a:gd name="connsiteX4" fmla="*/ 2743200 w 2743200"/>
+              <a:gd name="connsiteY4" fmla="*/ 791894 h 950277"/>
+              <a:gd name="connsiteX5" fmla="*/ 2584817 w 2743200"/>
+              <a:gd name="connsiteY5" fmla="*/ 950277 h 950277"/>
+              <a:gd name="connsiteX6" fmla="*/ 726440 w 2743200"/>
+              <a:gd name="connsiteY6" fmla="*/ 950277 h 950277"/>
+              <a:gd name="connsiteX7" fmla="*/ 158383 w 2743200"/>
+              <a:gd name="connsiteY7" fmla="*/ 950277 h 950277"/>
+              <a:gd name="connsiteX8" fmla="*/ 0 w 2743200"/>
+              <a:gd name="connsiteY8" fmla="*/ 791894 h 950277"/>
+              <a:gd name="connsiteX9" fmla="*/ 0 w 2743200"/>
+              <a:gd name="connsiteY9" fmla="*/ 158383 h 950277"/>
+              <a:gd name="connsiteX0" fmla="*/ 0 w 2743200"/>
+              <a:gd name="connsiteY0" fmla="*/ 158383 h 950277"/>
+              <a:gd name="connsiteX1" fmla="*/ 158383 w 2743200"/>
+              <a:gd name="connsiteY1" fmla="*/ 0 h 950277"/>
+              <a:gd name="connsiteX2" fmla="*/ 2584817 w 2743200"/>
+              <a:gd name="connsiteY2" fmla="*/ 0 h 950277"/>
+              <a:gd name="connsiteX3" fmla="*/ 2743200 w 2743200"/>
+              <a:gd name="connsiteY3" fmla="*/ 158383 h 950277"/>
+              <a:gd name="connsiteX4" fmla="*/ 2743200 w 2743200"/>
+              <a:gd name="connsiteY4" fmla="*/ 791894 h 950277"/>
+              <a:gd name="connsiteX5" fmla="*/ 2584817 w 2743200"/>
+              <a:gd name="connsiteY5" fmla="*/ 950277 h 950277"/>
+              <a:gd name="connsiteX6" fmla="*/ 1938020 w 2743200"/>
+              <a:gd name="connsiteY6" fmla="*/ 938847 h 950277"/>
+              <a:gd name="connsiteX7" fmla="*/ 726440 w 2743200"/>
+              <a:gd name="connsiteY7" fmla="*/ 950277 h 950277"/>
+              <a:gd name="connsiteX8" fmla="*/ 158383 w 2743200"/>
+              <a:gd name="connsiteY8" fmla="*/ 950277 h 950277"/>
+              <a:gd name="connsiteX9" fmla="*/ 0 w 2743200"/>
+              <a:gd name="connsiteY9" fmla="*/ 791894 h 950277"/>
+              <a:gd name="connsiteX10" fmla="*/ 0 w 2743200"/>
+              <a:gd name="connsiteY10" fmla="*/ 158383 h 950277"/>
+              <a:gd name="connsiteX0" fmla="*/ 5080 w 2748280"/>
+              <a:gd name="connsiteY0" fmla="*/ 158383 h 950277"/>
+              <a:gd name="connsiteX1" fmla="*/ 163463 w 2748280"/>
+              <a:gd name="connsiteY1" fmla="*/ 0 h 950277"/>
+              <a:gd name="connsiteX2" fmla="*/ 2589897 w 2748280"/>
+              <a:gd name="connsiteY2" fmla="*/ 0 h 950277"/>
+              <a:gd name="connsiteX3" fmla="*/ 2748280 w 2748280"/>
+              <a:gd name="connsiteY3" fmla="*/ 158383 h 950277"/>
+              <a:gd name="connsiteX4" fmla="*/ 2748280 w 2748280"/>
+              <a:gd name="connsiteY4" fmla="*/ 791894 h 950277"/>
+              <a:gd name="connsiteX5" fmla="*/ 2589897 w 2748280"/>
+              <a:gd name="connsiteY5" fmla="*/ 950277 h 950277"/>
+              <a:gd name="connsiteX6" fmla="*/ 1943100 w 2748280"/>
+              <a:gd name="connsiteY6" fmla="*/ 938847 h 950277"/>
+              <a:gd name="connsiteX7" fmla="*/ 731520 w 2748280"/>
+              <a:gd name="connsiteY7" fmla="*/ 950277 h 950277"/>
+              <a:gd name="connsiteX8" fmla="*/ 163463 w 2748280"/>
+              <a:gd name="connsiteY8" fmla="*/ 950277 h 950277"/>
+              <a:gd name="connsiteX9" fmla="*/ 5080 w 2748280"/>
+              <a:gd name="connsiteY9" fmla="*/ 791894 h 950277"/>
+              <a:gd name="connsiteX10" fmla="*/ 0 w 2748280"/>
+              <a:gd name="connsiteY10" fmla="*/ 470217 h 950277"/>
+              <a:gd name="connsiteX11" fmla="*/ 5080 w 2748280"/>
+              <a:gd name="connsiteY11" fmla="*/ 158383 h 950277"/>
+              <a:gd name="connsiteX0" fmla="*/ 5080 w 2748280"/>
+              <a:gd name="connsiteY0" fmla="*/ 158383 h 950277"/>
+              <a:gd name="connsiteX1" fmla="*/ 163463 w 2748280"/>
+              <a:gd name="connsiteY1" fmla="*/ 0 h 950277"/>
+              <a:gd name="connsiteX2" fmla="*/ 2589897 w 2748280"/>
+              <a:gd name="connsiteY2" fmla="*/ 0 h 950277"/>
+              <a:gd name="connsiteX3" fmla="*/ 2748280 w 2748280"/>
+              <a:gd name="connsiteY3" fmla="*/ 158383 h 950277"/>
+              <a:gd name="connsiteX4" fmla="*/ 2743200 w 2748280"/>
+              <a:gd name="connsiteY4" fmla="*/ 470217 h 950277"/>
+              <a:gd name="connsiteX5" fmla="*/ 2748280 w 2748280"/>
+              <a:gd name="connsiteY5" fmla="*/ 791894 h 950277"/>
+              <a:gd name="connsiteX6" fmla="*/ 2589897 w 2748280"/>
+              <a:gd name="connsiteY6" fmla="*/ 950277 h 950277"/>
+              <a:gd name="connsiteX7" fmla="*/ 1943100 w 2748280"/>
+              <a:gd name="connsiteY7" fmla="*/ 938847 h 950277"/>
+              <a:gd name="connsiteX8" fmla="*/ 731520 w 2748280"/>
+              <a:gd name="connsiteY8" fmla="*/ 950277 h 950277"/>
+              <a:gd name="connsiteX9" fmla="*/ 163463 w 2748280"/>
+              <a:gd name="connsiteY9" fmla="*/ 950277 h 950277"/>
+              <a:gd name="connsiteX10" fmla="*/ 5080 w 2748280"/>
+              <a:gd name="connsiteY10" fmla="*/ 791894 h 950277"/>
+              <a:gd name="connsiteX11" fmla="*/ 0 w 2748280"/>
+              <a:gd name="connsiteY11" fmla="*/ 470217 h 950277"/>
+              <a:gd name="connsiteX12" fmla="*/ 5080 w 2748280"/>
+              <a:gd name="connsiteY12" fmla="*/ 158383 h 950277"/>
+              <a:gd name="connsiteX0" fmla="*/ 5080 w 2748280"/>
+              <a:gd name="connsiteY0" fmla="*/ 158383 h 950277"/>
+              <a:gd name="connsiteX1" fmla="*/ 163463 w 2748280"/>
+              <a:gd name="connsiteY1" fmla="*/ 0 h 950277"/>
+              <a:gd name="connsiteX2" fmla="*/ 697230 w 2748280"/>
+              <a:gd name="connsiteY2" fmla="*/ 1587 h 950277"/>
+              <a:gd name="connsiteX3" fmla="*/ 2589897 w 2748280"/>
+              <a:gd name="connsiteY3" fmla="*/ 0 h 950277"/>
+              <a:gd name="connsiteX4" fmla="*/ 2748280 w 2748280"/>
+              <a:gd name="connsiteY4" fmla="*/ 158383 h 950277"/>
+              <a:gd name="connsiteX5" fmla="*/ 2743200 w 2748280"/>
+              <a:gd name="connsiteY5" fmla="*/ 470217 h 950277"/>
+              <a:gd name="connsiteX6" fmla="*/ 2748280 w 2748280"/>
+              <a:gd name="connsiteY6" fmla="*/ 791894 h 950277"/>
+              <a:gd name="connsiteX7" fmla="*/ 2589897 w 2748280"/>
+              <a:gd name="connsiteY7" fmla="*/ 950277 h 950277"/>
+              <a:gd name="connsiteX8" fmla="*/ 1943100 w 2748280"/>
+              <a:gd name="connsiteY8" fmla="*/ 938847 h 950277"/>
+              <a:gd name="connsiteX9" fmla="*/ 731520 w 2748280"/>
+              <a:gd name="connsiteY9" fmla="*/ 950277 h 950277"/>
+              <a:gd name="connsiteX10" fmla="*/ 163463 w 2748280"/>
+              <a:gd name="connsiteY10" fmla="*/ 950277 h 950277"/>
+              <a:gd name="connsiteX11" fmla="*/ 5080 w 2748280"/>
+              <a:gd name="connsiteY11" fmla="*/ 791894 h 950277"/>
+              <a:gd name="connsiteX12" fmla="*/ 0 w 2748280"/>
+              <a:gd name="connsiteY12" fmla="*/ 470217 h 950277"/>
+              <a:gd name="connsiteX13" fmla="*/ 5080 w 2748280"/>
+              <a:gd name="connsiteY13" fmla="*/ 158383 h 950277"/>
+              <a:gd name="connsiteX0" fmla="*/ 5080 w 2748280"/>
+              <a:gd name="connsiteY0" fmla="*/ 168226 h 960120"/>
+              <a:gd name="connsiteX1" fmla="*/ 163463 w 2748280"/>
+              <a:gd name="connsiteY1" fmla="*/ 9843 h 960120"/>
+              <a:gd name="connsiteX2" fmla="*/ 697230 w 2748280"/>
+              <a:gd name="connsiteY2" fmla="*/ 11430 h 960120"/>
+              <a:gd name="connsiteX3" fmla="*/ 1920240 w 2748280"/>
+              <a:gd name="connsiteY3" fmla="*/ 0 h 960120"/>
+              <a:gd name="connsiteX4" fmla="*/ 2589897 w 2748280"/>
+              <a:gd name="connsiteY4" fmla="*/ 9843 h 960120"/>
+              <a:gd name="connsiteX5" fmla="*/ 2748280 w 2748280"/>
+              <a:gd name="connsiteY5" fmla="*/ 168226 h 960120"/>
+              <a:gd name="connsiteX6" fmla="*/ 2743200 w 2748280"/>
+              <a:gd name="connsiteY6" fmla="*/ 480060 h 960120"/>
+              <a:gd name="connsiteX7" fmla="*/ 2748280 w 2748280"/>
+              <a:gd name="connsiteY7" fmla="*/ 801737 h 960120"/>
+              <a:gd name="connsiteX8" fmla="*/ 2589897 w 2748280"/>
+              <a:gd name="connsiteY8" fmla="*/ 960120 h 960120"/>
+              <a:gd name="connsiteX9" fmla="*/ 1943100 w 2748280"/>
+              <a:gd name="connsiteY9" fmla="*/ 948690 h 960120"/>
+              <a:gd name="connsiteX10" fmla="*/ 731520 w 2748280"/>
+              <a:gd name="connsiteY10" fmla="*/ 960120 h 960120"/>
+              <a:gd name="connsiteX11" fmla="*/ 163463 w 2748280"/>
+              <a:gd name="connsiteY11" fmla="*/ 960120 h 960120"/>
+              <a:gd name="connsiteX12" fmla="*/ 5080 w 2748280"/>
+              <a:gd name="connsiteY12" fmla="*/ 801737 h 960120"/>
+              <a:gd name="connsiteX13" fmla="*/ 0 w 2748280"/>
+              <a:gd name="connsiteY13" fmla="*/ 480060 h 960120"/>
+              <a:gd name="connsiteX14" fmla="*/ 5080 w 2748280"/>
+              <a:gd name="connsiteY14" fmla="*/ 168226 h 960120"/>
+              <a:gd name="connsiteX0" fmla="*/ 5080 w 2748280"/>
+              <a:gd name="connsiteY0" fmla="*/ 168226 h 960120"/>
+              <a:gd name="connsiteX1" fmla="*/ 163463 w 2748280"/>
+              <a:gd name="connsiteY1" fmla="*/ 9843 h 960120"/>
+              <a:gd name="connsiteX2" fmla="*/ 697230 w 2748280"/>
+              <a:gd name="connsiteY2" fmla="*/ 11430 h 960120"/>
+              <a:gd name="connsiteX3" fmla="*/ 1920240 w 2748280"/>
+              <a:gd name="connsiteY3" fmla="*/ 0 h 960120"/>
+              <a:gd name="connsiteX4" fmla="*/ 2589897 w 2748280"/>
+              <a:gd name="connsiteY4" fmla="*/ 9843 h 960120"/>
+              <a:gd name="connsiteX5" fmla="*/ 2748280 w 2748280"/>
+              <a:gd name="connsiteY5" fmla="*/ 168226 h 960120"/>
+              <a:gd name="connsiteX6" fmla="*/ 2743200 w 2748280"/>
+              <a:gd name="connsiteY6" fmla="*/ 480060 h 960120"/>
+              <a:gd name="connsiteX7" fmla="*/ 2748280 w 2748280"/>
+              <a:gd name="connsiteY7" fmla="*/ 801737 h 960120"/>
+              <a:gd name="connsiteX8" fmla="*/ 2589897 w 2748280"/>
+              <a:gd name="connsiteY8" fmla="*/ 960120 h 960120"/>
+              <a:gd name="connsiteX9" fmla="*/ 1943100 w 2748280"/>
+              <a:gd name="connsiteY9" fmla="*/ 948690 h 960120"/>
+              <a:gd name="connsiteX10" fmla="*/ 731520 w 2748280"/>
+              <a:gd name="connsiteY10" fmla="*/ 960120 h 960120"/>
+              <a:gd name="connsiteX11" fmla="*/ 163463 w 2748280"/>
+              <a:gd name="connsiteY11" fmla="*/ 960120 h 960120"/>
+              <a:gd name="connsiteX12" fmla="*/ 5080 w 2748280"/>
+              <a:gd name="connsiteY12" fmla="*/ 801737 h 960120"/>
+              <a:gd name="connsiteX13" fmla="*/ 0 w 2748280"/>
+              <a:gd name="connsiteY13" fmla="*/ 480060 h 960120"/>
+              <a:gd name="connsiteX14" fmla="*/ 5080 w 2748280"/>
+              <a:gd name="connsiteY14" fmla="*/ 168226 h 960120"/>
+              <a:gd name="connsiteX0" fmla="*/ 5080 w 2748280"/>
+              <a:gd name="connsiteY0" fmla="*/ 168226 h 960120"/>
+              <a:gd name="connsiteX1" fmla="*/ 163463 w 2748280"/>
+              <a:gd name="connsiteY1" fmla="*/ 9843 h 960120"/>
+              <a:gd name="connsiteX2" fmla="*/ 740773 w 2748280"/>
+              <a:gd name="connsiteY2" fmla="*/ 11430 h 960120"/>
+              <a:gd name="connsiteX3" fmla="*/ 1920240 w 2748280"/>
+              <a:gd name="connsiteY3" fmla="*/ 0 h 960120"/>
+              <a:gd name="connsiteX4" fmla="*/ 2589897 w 2748280"/>
+              <a:gd name="connsiteY4" fmla="*/ 9843 h 960120"/>
+              <a:gd name="connsiteX5" fmla="*/ 2748280 w 2748280"/>
+              <a:gd name="connsiteY5" fmla="*/ 168226 h 960120"/>
+              <a:gd name="connsiteX6" fmla="*/ 2743200 w 2748280"/>
+              <a:gd name="connsiteY6" fmla="*/ 480060 h 960120"/>
+              <a:gd name="connsiteX7" fmla="*/ 2748280 w 2748280"/>
+              <a:gd name="connsiteY7" fmla="*/ 801737 h 960120"/>
+              <a:gd name="connsiteX8" fmla="*/ 2589897 w 2748280"/>
+              <a:gd name="connsiteY8" fmla="*/ 960120 h 960120"/>
+              <a:gd name="connsiteX9" fmla="*/ 1943100 w 2748280"/>
+              <a:gd name="connsiteY9" fmla="*/ 948690 h 960120"/>
+              <a:gd name="connsiteX10" fmla="*/ 731520 w 2748280"/>
+              <a:gd name="connsiteY10" fmla="*/ 960120 h 960120"/>
+              <a:gd name="connsiteX11" fmla="*/ 163463 w 2748280"/>
+              <a:gd name="connsiteY11" fmla="*/ 960120 h 960120"/>
+              <a:gd name="connsiteX12" fmla="*/ 5080 w 2748280"/>
+              <a:gd name="connsiteY12" fmla="*/ 801737 h 960120"/>
+              <a:gd name="connsiteX13" fmla="*/ 0 w 2748280"/>
+              <a:gd name="connsiteY13" fmla="*/ 480060 h 960120"/>
+              <a:gd name="connsiteX14" fmla="*/ 5080 w 2748280"/>
+              <a:gd name="connsiteY14" fmla="*/ 168226 h 960120"/>
+              <a:gd name="connsiteX0" fmla="*/ 5080 w 2748280"/>
+              <a:gd name="connsiteY0" fmla="*/ 168226 h 960120"/>
+              <a:gd name="connsiteX1" fmla="*/ 163463 w 2748280"/>
+              <a:gd name="connsiteY1" fmla="*/ 9843 h 960120"/>
+              <a:gd name="connsiteX2" fmla="*/ 740773 w 2748280"/>
+              <a:gd name="connsiteY2" fmla="*/ 11430 h 960120"/>
+              <a:gd name="connsiteX3" fmla="*/ 1992811 w 2748280"/>
+              <a:gd name="connsiteY3" fmla="*/ 0 h 960120"/>
+              <a:gd name="connsiteX4" fmla="*/ 2589897 w 2748280"/>
+              <a:gd name="connsiteY4" fmla="*/ 9843 h 960120"/>
+              <a:gd name="connsiteX5" fmla="*/ 2748280 w 2748280"/>
+              <a:gd name="connsiteY5" fmla="*/ 168226 h 960120"/>
+              <a:gd name="connsiteX6" fmla="*/ 2743200 w 2748280"/>
+              <a:gd name="connsiteY6" fmla="*/ 480060 h 960120"/>
+              <a:gd name="connsiteX7" fmla="*/ 2748280 w 2748280"/>
+              <a:gd name="connsiteY7" fmla="*/ 801737 h 960120"/>
+              <a:gd name="connsiteX8" fmla="*/ 2589897 w 2748280"/>
+              <a:gd name="connsiteY8" fmla="*/ 960120 h 960120"/>
+              <a:gd name="connsiteX9" fmla="*/ 1943100 w 2748280"/>
+              <a:gd name="connsiteY9" fmla="*/ 948690 h 960120"/>
+              <a:gd name="connsiteX10" fmla="*/ 731520 w 2748280"/>
+              <a:gd name="connsiteY10" fmla="*/ 960120 h 960120"/>
+              <a:gd name="connsiteX11" fmla="*/ 163463 w 2748280"/>
+              <a:gd name="connsiteY11" fmla="*/ 960120 h 960120"/>
+              <a:gd name="connsiteX12" fmla="*/ 5080 w 2748280"/>
+              <a:gd name="connsiteY12" fmla="*/ 801737 h 960120"/>
+              <a:gd name="connsiteX13" fmla="*/ 0 w 2748280"/>
+              <a:gd name="connsiteY13" fmla="*/ 480060 h 960120"/>
+              <a:gd name="connsiteX14" fmla="*/ 5080 w 2748280"/>
+              <a:gd name="connsiteY14" fmla="*/ 168226 h 960120"/>
+              <a:gd name="connsiteX0" fmla="*/ 5080 w 2748280"/>
+              <a:gd name="connsiteY0" fmla="*/ 158383 h 950277"/>
+              <a:gd name="connsiteX1" fmla="*/ 163463 w 2748280"/>
+              <a:gd name="connsiteY1" fmla="*/ 0 h 950277"/>
+              <a:gd name="connsiteX2" fmla="*/ 740773 w 2748280"/>
+              <a:gd name="connsiteY2" fmla="*/ 1587 h 950277"/>
+              <a:gd name="connsiteX3" fmla="*/ 1949268 w 2748280"/>
+              <a:gd name="connsiteY3" fmla="*/ 4672 h 950277"/>
+              <a:gd name="connsiteX4" fmla="*/ 2589897 w 2748280"/>
+              <a:gd name="connsiteY4" fmla="*/ 0 h 950277"/>
+              <a:gd name="connsiteX5" fmla="*/ 2748280 w 2748280"/>
+              <a:gd name="connsiteY5" fmla="*/ 158383 h 950277"/>
+              <a:gd name="connsiteX6" fmla="*/ 2743200 w 2748280"/>
+              <a:gd name="connsiteY6" fmla="*/ 470217 h 950277"/>
+              <a:gd name="connsiteX7" fmla="*/ 2748280 w 2748280"/>
+              <a:gd name="connsiteY7" fmla="*/ 791894 h 950277"/>
+              <a:gd name="connsiteX8" fmla="*/ 2589897 w 2748280"/>
+              <a:gd name="connsiteY8" fmla="*/ 950277 h 950277"/>
+              <a:gd name="connsiteX9" fmla="*/ 1943100 w 2748280"/>
+              <a:gd name="connsiteY9" fmla="*/ 938847 h 950277"/>
+              <a:gd name="connsiteX10" fmla="*/ 731520 w 2748280"/>
+              <a:gd name="connsiteY10" fmla="*/ 950277 h 950277"/>
+              <a:gd name="connsiteX11" fmla="*/ 163463 w 2748280"/>
+              <a:gd name="connsiteY11" fmla="*/ 950277 h 950277"/>
+              <a:gd name="connsiteX12" fmla="*/ 5080 w 2748280"/>
+              <a:gd name="connsiteY12" fmla="*/ 791894 h 950277"/>
+              <a:gd name="connsiteX13" fmla="*/ 0 w 2748280"/>
+              <a:gd name="connsiteY13" fmla="*/ 470217 h 950277"/>
+              <a:gd name="connsiteX14" fmla="*/ 5080 w 2748280"/>
+              <a:gd name="connsiteY14" fmla="*/ 158383 h 950277"/>
+            </a:gdLst>
+            <a:ahLst/>
+            <a:cxnLst>
+              <a:cxn ang="0">
+                <a:pos x="connsiteX0" y="connsiteY0"/>
+              </a:cxn>
+              <a:cxn ang="0">
+                <a:pos x="connsiteX1" y="connsiteY1"/>
+              </a:cxn>
+              <a:cxn ang="0">
+                <a:pos x="connsiteX2" y="connsiteY2"/>
+              </a:cxn>
+              <a:cxn ang="0">
+                <a:pos x="connsiteX3" y="connsiteY3"/>
+              </a:cxn>
+              <a:cxn ang="0">
+                <a:pos x="connsiteX4" y="connsiteY4"/>
+              </a:cxn>
+              <a:cxn ang="0">
+                <a:pos x="connsiteX5" y="connsiteY5"/>
+              </a:cxn>
+              <a:cxn ang="0">
+                <a:pos x="connsiteX6" y="connsiteY6"/>
+              </a:cxn>
+              <a:cxn ang="0">
+                <a:pos x="connsiteX7" y="connsiteY7"/>
+              </a:cxn>
+              <a:cxn ang="0">
+                <a:pos x="connsiteX8" y="connsiteY8"/>
+              </a:cxn>
+              <a:cxn ang="0">
+                <a:pos x="connsiteX9" y="connsiteY9"/>
+              </a:cxn>
+              <a:cxn ang="0">
+                <a:pos x="connsiteX10" y="connsiteY10"/>
+              </a:cxn>
+              <a:cxn ang="0">
+                <a:pos x="connsiteX11" y="connsiteY11"/>
+              </a:cxn>
+              <a:cxn ang="0">
+                <a:pos x="connsiteX12" y="connsiteY12"/>
+              </a:cxn>
+              <a:cxn ang="0">
+                <a:pos x="connsiteX13" y="connsiteY13"/>
+              </a:cxn>
+              <a:cxn ang="0">
+                <a:pos x="connsiteX14" y="connsiteY14"/>
+              </a:cxn>
+            </a:cxnLst>
+            <a:rect l="l" t="t" r="r" b="b"/>
+            <a:pathLst>
+              <a:path w="2748280" h="950277">
+                <a:moveTo>
+                  <a:pt x="5080" y="158383"/>
+                </a:moveTo>
+                <a:cubicBezTo>
+                  <a:pt x="5080" y="70910"/>
+                  <a:pt x="75990" y="0"/>
+                  <a:pt x="163463" y="0"/>
+                </a:cubicBezTo>
+                <a:lnTo>
+                  <a:pt x="740773" y="1587"/>
+                </a:lnTo>
+                <a:lnTo>
+                  <a:pt x="1949268" y="4672"/>
+                </a:lnTo>
+                <a:lnTo>
+                  <a:pt x="2589897" y="0"/>
+                </a:lnTo>
+                <a:cubicBezTo>
+                  <a:pt x="2677370" y="0"/>
+                  <a:pt x="2748280" y="70910"/>
+                  <a:pt x="2748280" y="158383"/>
+                </a:cubicBezTo>
+                <a:cubicBezTo>
+                  <a:pt x="2746587" y="262328"/>
+                  <a:pt x="2744893" y="366272"/>
+                  <a:pt x="2743200" y="470217"/>
+                </a:cubicBezTo>
+                <a:cubicBezTo>
+                  <a:pt x="2744893" y="577443"/>
+                  <a:pt x="2746587" y="684668"/>
+                  <a:pt x="2748280" y="791894"/>
+                </a:cubicBezTo>
+                <a:cubicBezTo>
+                  <a:pt x="2748280" y="879367"/>
+                  <a:pt x="2677370" y="950277"/>
+                  <a:pt x="2589897" y="950277"/>
+                </a:cubicBezTo>
+                <a:lnTo>
+                  <a:pt x="1943100" y="938847"/>
+                </a:lnTo>
+                <a:lnTo>
+                  <a:pt x="731520" y="950277"/>
+                </a:lnTo>
+                <a:lnTo>
+                  <a:pt x="163463" y="950277"/>
+                </a:lnTo>
+                <a:cubicBezTo>
+                  <a:pt x="75990" y="950277"/>
+                  <a:pt x="5080" y="879367"/>
+                  <a:pt x="5080" y="791894"/>
+                </a:cubicBezTo>
+                <a:cubicBezTo>
+                  <a:pt x="3387" y="684668"/>
+                  <a:pt x="1693" y="577443"/>
+                  <a:pt x="0" y="470217"/>
+                </a:cubicBezTo>
+                <a:cubicBezTo>
+                  <a:pt x="1693" y="366272"/>
+                  <a:pt x="3387" y="262328"/>
+                  <a:pt x="5080" y="158383"/>
+                </a:cubicBezTo>
+                <a:close/>
+              </a:path>
+            </a:pathLst>
+          </a:custGeom>
+        </p:spPr>
+        <p:style>
+          <a:lnRef idx="1">
+            <a:schemeClr val="accent1"/>
+          </a:lnRef>
+          <a:fillRef idx="3">
+            <a:schemeClr val="accent1"/>
+          </a:fillRef>
+          <a:effectRef idx="2">
+            <a:schemeClr val="accent1"/>
+          </a:effectRef>
+          <a:fontRef idx="minor">
+            <a:schemeClr val="lt1"/>
+          </a:fontRef>
+        </p:style>
+        <p:txBody>
+          <a:bodyPr rtlCol="0" anchor="ctr"/>
+          <a:lstStyle/>
+          <a:p>
+            <a:pPr algn="ctr"/>
+            <a:r>
+              <a:rPr lang="en-US" dirty="0" smtClean="0"/>
+              <a:t>Solver Service</a:t>
+            </a:r>
+            <a:endParaRPr lang="en-US" dirty="0"/>
+          </a:p>
+        </p:txBody>
+      </p:sp>
+      <p:cxnSp>
+        <p:nvCxnSpPr>
+          <p:cNvPr id="19" name="Straight Arrow Connector 18"/>
+          <p:cNvCxnSpPr>
+            <a:stCxn id="6" idx="10"/>
+            <a:endCxn id="16" idx="2"/>
+          </p:cNvCxnSpPr>
+          <p:nvPr/>
+        </p:nvCxnSpPr>
+        <p:spPr>
+          <a:xfrm>
+            <a:off x="4538251" y="2548890"/>
+            <a:ext cx="0" cy="895350"/>
+          </a:xfrm>
+          <a:prstGeom prst="straightConnector1">
+            <a:avLst/>
+          </a:prstGeom>
+          <a:ln>
+            <a:tailEnd type="triangle"/>
+          </a:ln>
+        </p:spPr>
+        <p:style>
+          <a:lnRef idx="2">
+            <a:schemeClr val="accent1"/>
+          </a:lnRef>
+          <a:fillRef idx="0">
+            <a:schemeClr val="accent1"/>
+          </a:fillRef>
+          <a:effectRef idx="1">
+            <a:schemeClr val="accent1"/>
+          </a:effectRef>
+          <a:fontRef idx="minor">
+            <a:schemeClr val="tx1"/>
+          </a:fontRef>
+        </p:style>
+      </p:cxnSp>
+      <p:cxnSp>
+        <p:nvCxnSpPr>
+          <p:cNvPr id="21" name="Straight Arrow Connector 20"/>
+          <p:cNvCxnSpPr>
+            <a:stCxn id="6" idx="9"/>
+            <a:endCxn id="16" idx="3"/>
+          </p:cNvCxnSpPr>
+          <p:nvPr/>
+        </p:nvCxnSpPr>
+        <p:spPr>
+          <a:xfrm>
+            <a:off x="5749831" y="2537460"/>
+            <a:ext cx="11430" cy="895350"/>
+          </a:xfrm>
+          <a:prstGeom prst="straightConnector1">
+            <a:avLst/>
+          </a:prstGeom>
+          <a:ln>
+            <a:headEnd type="triangle"/>
+            <a:tailEnd type="none"/>
+          </a:ln>
+        </p:spPr>
+        <p:style>
+          <a:lnRef idx="2">
+            <a:schemeClr val="accent1"/>
+          </a:lnRef>
+          <a:fillRef idx="0">
+            <a:schemeClr val="accent1"/>
+          </a:fillRef>
+          <a:effectRef idx="1">
+            <a:schemeClr val="accent1"/>
+          </a:effectRef>
+          <a:fontRef idx="minor">
+            <a:schemeClr val="tx1"/>
+          </a:fontRef>
+        </p:style>
+      </p:cxnSp>
+      <p:cxnSp>
+        <p:nvCxnSpPr>
+          <p:cNvPr id="23" name="Straight Arrow Connector 22"/>
+          <p:cNvCxnSpPr>
+            <a:stCxn id="16" idx="10"/>
+            <a:endCxn id="17" idx="2"/>
+          </p:cNvCxnSpPr>
+          <p:nvPr/>
+        </p:nvCxnSpPr>
+        <p:spPr>
+          <a:xfrm>
+            <a:off x="4538252" y="4392930"/>
+            <a:ext cx="9253" cy="895350"/>
+          </a:xfrm>
+          <a:prstGeom prst="straightConnector1">
+            <a:avLst/>
+          </a:prstGeom>
+          <a:ln>
+            <a:tailEnd type="triangle"/>
+          </a:ln>
+        </p:spPr>
+        <p:style>
+          <a:lnRef idx="2">
+            <a:schemeClr val="accent1"/>
+          </a:lnRef>
+          <a:fillRef idx="0">
+            <a:schemeClr val="accent1"/>
+          </a:fillRef>
+          <a:effectRef idx="1">
+            <a:schemeClr val="accent1"/>
+          </a:effectRef>
+          <a:fontRef idx="minor">
+            <a:schemeClr val="tx1"/>
+          </a:fontRef>
+        </p:style>
+      </p:cxnSp>
+      <p:cxnSp>
+        <p:nvCxnSpPr>
+          <p:cNvPr id="25" name="Straight Arrow Connector 24"/>
+          <p:cNvCxnSpPr>
+            <a:stCxn id="16" idx="9"/>
+            <a:endCxn id="17" idx="3"/>
+          </p:cNvCxnSpPr>
+          <p:nvPr/>
+        </p:nvCxnSpPr>
+        <p:spPr>
+          <a:xfrm>
+            <a:off x="5749831" y="4381501"/>
+            <a:ext cx="6168" cy="909865"/>
+          </a:xfrm>
+          <a:prstGeom prst="straightConnector1">
+            <a:avLst/>
+          </a:prstGeom>
+          <a:ln>
+            <a:headEnd type="triangle"/>
+            <a:tailEnd type="none"/>
+          </a:ln>
+        </p:spPr>
+        <p:style>
+          <a:lnRef idx="2">
+            <a:schemeClr val="accent1"/>
+          </a:lnRef>
+          <a:fillRef idx="0">
+            <a:schemeClr val="accent1"/>
+          </a:fillRef>
+          <a:effectRef idx="1">
+            <a:schemeClr val="accent1"/>
+          </a:effectRef>
+          <a:fontRef idx="minor">
+            <a:schemeClr val="tx1"/>
+          </a:fontRef>
+        </p:style>
+      </p:cxnSp>
+      <p:sp>
+        <p:nvSpPr>
+          <p:cNvPr id="26" name="TextBox 25"/>
+          <p:cNvSpPr txBox="1"/>
+          <p:nvPr/>
+        </p:nvSpPr>
+        <p:spPr>
+          <a:xfrm>
+            <a:off x="2698020" y="1725614"/>
+            <a:ext cx="951547" cy="830997"/>
+          </a:xfrm>
+          <a:prstGeom prst="rect">
+            <a:avLst/>
+          </a:prstGeom>
+          <a:noFill/>
+        </p:spPr>
+        <p:txBody>
+          <a:bodyPr wrap="square" rtlCol="0">
+            <a:spAutoFit/>
+          </a:bodyPr>
+          <a:lstStyle/>
+          <a:p>
+            <a:r>
+              <a:rPr lang="en-US" sz="1200" dirty="0"/>
+              <a:t>Extract, Validate, </a:t>
+            </a:r>
+            <a:r>
+              <a:rPr lang="en-US" sz="1200" dirty="0" smtClean="0"/>
+              <a:t>Transform, Load</a:t>
+            </a:r>
+            <a:endParaRPr lang="en-US" sz="1200" dirty="0"/>
+          </a:p>
+        </p:txBody>
+      </p:sp>
+      <p:cxnSp>
+        <p:nvCxnSpPr>
+          <p:cNvPr id="28" name="Straight Arrow Connector 27"/>
+          <p:cNvCxnSpPr>
+            <a:stCxn id="6" idx="6"/>
+            <a:endCxn id="10" idx="1"/>
+          </p:cNvCxnSpPr>
+          <p:nvPr/>
+        </p:nvCxnSpPr>
+        <p:spPr>
+          <a:xfrm>
+            <a:off x="6549931" y="2068830"/>
+            <a:ext cx="792479" cy="4923"/>
+          </a:xfrm>
+          <a:prstGeom prst="straightConnector1">
+            <a:avLst/>
+          </a:prstGeom>
+          <a:ln>
+            <a:headEnd type="triangle"/>
+            <a:tailEnd type="triangle"/>
+          </a:ln>
+        </p:spPr>
+        <p:style>
+          <a:lnRef idx="2">
+            <a:schemeClr val="accent1"/>
+          </a:lnRef>
+          <a:fillRef idx="0">
+            <a:schemeClr val="accent1"/>
+          </a:fillRef>
+          <a:effectRef idx="1">
+            <a:schemeClr val="accent1"/>
+          </a:effectRef>
+          <a:fontRef idx="minor">
+            <a:schemeClr val="tx1"/>
+          </a:fontRef>
+        </p:style>
+      </p:cxnSp>
+      <p:sp>
+        <p:nvSpPr>
+          <p:cNvPr id="30" name="TextBox 29"/>
+          <p:cNvSpPr txBox="1"/>
+          <p:nvPr/>
+        </p:nvSpPr>
+        <p:spPr>
+          <a:xfrm>
+            <a:off x="4714940" y="2793684"/>
+            <a:ext cx="1021080" cy="461665"/>
+          </a:xfrm>
+          <a:prstGeom prst="rect">
+            <a:avLst/>
+          </a:prstGeom>
+          <a:noFill/>
+        </p:spPr>
+        <p:txBody>
+          <a:bodyPr wrap="square" rtlCol="0">
+            <a:spAutoFit/>
+          </a:bodyPr>
+          <a:lstStyle/>
+          <a:p>
+            <a:r>
+              <a:rPr lang="en-US" sz="1200" dirty="0"/>
+              <a:t>Application Data Model</a:t>
+            </a:r>
+          </a:p>
+        </p:txBody>
+      </p:sp>
+      <p:sp>
+        <p:nvSpPr>
+          <p:cNvPr id="31" name="TextBox 30"/>
+          <p:cNvSpPr txBox="1"/>
+          <p:nvPr/>
+        </p:nvSpPr>
+        <p:spPr>
+          <a:xfrm>
+            <a:off x="4715099" y="4580236"/>
+            <a:ext cx="1021080" cy="461665"/>
+          </a:xfrm>
+          <a:prstGeom prst="rect">
+            <a:avLst/>
+          </a:prstGeom>
+          <a:noFill/>
+        </p:spPr>
+        <p:txBody>
+          <a:bodyPr wrap="square" rtlCol="0">
+            <a:spAutoFit/>
+          </a:bodyPr>
+          <a:lstStyle/>
+          <a:p>
+            <a:r>
+              <a:rPr lang="en-US" sz="1200" dirty="0"/>
+              <a:t>Tableau Data Model</a:t>
+            </a:r>
+          </a:p>
+        </p:txBody>
+      </p:sp>
+      <p:sp>
+        <p:nvSpPr>
+          <p:cNvPr id="3" name="Rounded Rectangle 2"/>
+          <p:cNvSpPr/>
+          <p:nvPr/>
+        </p:nvSpPr>
+        <p:spPr>
+          <a:xfrm>
+            <a:off x="677334" y="3432811"/>
+            <a:ext cx="2686352" cy="2865500"/>
+          </a:xfrm>
+          <a:prstGeom prst="roundRect">
+            <a:avLst/>
+          </a:prstGeom>
+          <a:solidFill>
+            <a:schemeClr val="accent1">
+              <a:lumMod val="60000"/>
+              <a:lumOff val="40000"/>
+            </a:schemeClr>
+          </a:solidFill>
+        </p:spPr>
+        <p:style>
+          <a:lnRef idx="2">
+            <a:schemeClr val="accent1">
+              <a:shade val="50000"/>
+            </a:schemeClr>
+          </a:lnRef>
+          <a:fillRef idx="1">
+            <a:schemeClr val="accent1"/>
+          </a:fillRef>
+          <a:effectRef idx="0">
+            <a:schemeClr val="accent1"/>
+          </a:effectRef>
+          <a:fontRef idx="minor">
+            <a:schemeClr val="lt1"/>
+          </a:fontRef>
+        </p:style>
+        <p:txBody>
+          <a:bodyPr rtlCol="0" anchor="ctr"/>
+          <a:lstStyle/>
+          <a:p>
+            <a:pPr algn="ctr"/>
+            <a:r>
+              <a:rPr lang="en-US" dirty="0" smtClean="0"/>
+              <a:t>The purpose of </a:t>
+            </a:r>
+            <a:r>
+              <a:rPr lang="en-US" dirty="0"/>
+              <a:t>the modeling layer is to move data efficiently and quickly between external </a:t>
+            </a:r>
+            <a:r>
+              <a:rPr lang="en-US" dirty="0" smtClean="0"/>
+              <a:t>sources and </a:t>
+            </a:r>
+            <a:r>
+              <a:rPr lang="en-US" dirty="0"/>
+              <a:t>the internal data structures of the solver</a:t>
+            </a:r>
+          </a:p>
+        </p:txBody>
+      </p:sp>
+      <p:sp>
+        <p:nvSpPr>
+          <p:cNvPr id="5" name="Footer Placeholder 4"/>
+          <p:cNvSpPr>
+            <a:spLocks noGrp="1"/>
+          </p:cNvSpPr>
+          <p:nvPr>
+            <p:ph type="ftr" sz="quarter" idx="11"/>
+          </p:nvPr>
+        </p:nvSpPr>
+        <p:spPr/>
+        <p:txBody>
+          <a:bodyPr/>
+          <a:lstStyle/>
+          <a:p>
+            <a:r>
+              <a:rPr lang="en-US" smtClean="0"/>
+              <a:t>©2018 Jeremy A. Bloom</a:t>
+            </a:r>
             <a:endParaRPr lang="en-US" dirty="0"/>
           </a:p>
         </p:txBody>
@@ -7999,7 +9880,7 @@
     </p:spTree>
     <p:extLst>
       <p:ext uri="{BB962C8B-B14F-4D97-AF65-F5344CB8AC3E}">
-        <p14:creationId xmlns:p14="http://schemas.microsoft.com/office/powerpoint/2010/main" val="433853455"/>
+        <p14:creationId xmlns:p14="http://schemas.microsoft.com/office/powerpoint/2010/main" val="1638598007"/>
       </p:ext>
     </p:extLst>
   </p:cSld>
@@ -8744,7 +10625,6 @@
                 <a:rPr lang="en-US" dirty="0"/>
                 <a:t>Create Solver Objects</a:t>
               </a:r>
-              <a:endParaRPr lang="en-US" dirty="0"/>
             </a:p>
           </p:txBody>
         </p:sp>
@@ -9290,7 +11170,6 @@
                 <a:rPr lang="en-US" dirty="0"/>
                 <a:t>Extract and Transform Solution</a:t>
               </a:r>
-              <a:endParaRPr lang="en-US" dirty="0"/>
             </a:p>
           </p:txBody>
         </p:sp>
@@ -9855,7 +11734,7 @@
           <a:p>
             <a:r>
               <a:rPr lang="en-US" dirty="0" smtClean="0"/>
-              <a:t>Big Data Operations</a:t>
+              <a:t>The Future: Big Data and Streams</a:t>
             </a:r>
             <a:endParaRPr lang="en-US" dirty="0"/>
           </a:p>
@@ -9871,156 +11750,39 @@
             <p:ph idx="1"/>
           </p:nvPr>
         </p:nvSpPr>
-        <p:spPr>
-          <a:xfrm>
-            <a:off x="677334" y="1658318"/>
-            <a:ext cx="8596668" cy="4678098"/>
-          </a:xfrm>
-        </p:spPr>
-        <p:txBody>
-          <a:bodyPr>
-            <a:normAutofit fontScale="85000" lnSpcReduction="20000"/>
-          </a:bodyPr>
-          <a:lstStyle/>
-          <a:p>
-            <a:r>
-              <a:rPr lang="en-US" b="1" dirty="0" smtClean="0"/>
-              <a:t>Parallel Processing: </a:t>
-            </a:r>
-            <a:r>
-              <a:rPr lang="en-US" dirty="0" smtClean="0"/>
-              <a:t>Multi-processor architectures are becoming more common that permit operating on data sets in parallel</a:t>
-            </a:r>
-            <a:endParaRPr lang="en-US" b="1" dirty="0" smtClean="0"/>
-          </a:p>
-          <a:p>
-            <a:r>
-              <a:rPr lang="en-US" b="1" dirty="0" smtClean="0"/>
-              <a:t>Streaming</a:t>
-            </a:r>
-            <a:r>
-              <a:rPr lang="en-US" dirty="0" smtClean="0"/>
-              <a:t>: Data flows from a source (e.g. file, </a:t>
-            </a:r>
-            <a:r>
-              <a:rPr lang="en-US" dirty="0" smtClean="0"/>
-              <a:t>Twitter </a:t>
-            </a:r>
-            <a:r>
-              <a:rPr lang="en-US" dirty="0" smtClean="0"/>
-              <a:t>feed, etc.) to a destination (e.g. an optimization solver) without an intermediate resting place</a:t>
+        <p:spPr/>
+        <p:txBody>
+          <a:bodyPr/>
+          <a:lstStyle/>
+          <a:p>
+            <a:r>
+              <a:rPr lang="en-US" dirty="0" smtClean="0"/>
+              <a:t>Analytics in general is moving strongly and rapidly to applications on big data sets</a:t>
+            </a:r>
+          </a:p>
+          <a:p>
+            <a:r>
+              <a:rPr lang="en-US" dirty="0" smtClean="0"/>
+              <a:t>Optimization applications already support large data sets (O(1M) variables and O(100K) constraints and solvers on the horizon could increase instance sizes by another order of magnitude or more</a:t>
             </a:r>
           </a:p>
           <a:p>
             <a:pPr lvl="1"/>
             <a:r>
-              <a:rPr lang="en-US" dirty="0"/>
-              <a:t>Creating intermediate objects can overwhelm the stack space of the </a:t>
-            </a:r>
-            <a:r>
-              <a:rPr lang="en-US" dirty="0" smtClean="0"/>
-              <a:t>processor</a:t>
-            </a:r>
-          </a:p>
-          <a:p>
-            <a:pPr lvl="1"/>
-            <a:r>
-              <a:rPr lang="en-US" dirty="0" smtClean="0"/>
-              <a:t>Streams can support parallel processing on multiple processors</a:t>
-            </a:r>
-            <a:endParaRPr lang="en-US" dirty="0" smtClean="0"/>
-          </a:p>
-          <a:p>
-            <a:pPr lvl="1"/>
-            <a:r>
-              <a:rPr lang="en-US" dirty="0" smtClean="0"/>
-              <a:t>Operators work directly on a stream rather than on the individual items in the stream (unlike an iterator)</a:t>
-            </a:r>
-          </a:p>
-          <a:p>
-            <a:pPr lvl="1"/>
-            <a:r>
-              <a:rPr lang="en-US" dirty="0" smtClean="0"/>
-              <a:t>Many languages now support some form of stream processing</a:t>
-            </a:r>
-          </a:p>
-          <a:p>
-            <a:r>
-              <a:rPr lang="en-US" b="1" dirty="0" smtClean="0"/>
-              <a:t>Transformation</a:t>
-            </a:r>
-            <a:r>
-              <a:rPr lang="en-US" dirty="0" smtClean="0"/>
-              <a:t>: transform each row of a data set to a new row in another data set (e.g. a </a:t>
-            </a:r>
-            <a:r>
-              <a:rPr lang="en-US" dirty="0" smtClean="0"/>
-              <a:t>Map operation</a:t>
-            </a:r>
-            <a:r>
-              <a:rPr lang="en-US" dirty="0" smtClean="0"/>
-              <a:t>)</a:t>
-            </a:r>
-          </a:p>
-          <a:p>
-            <a:r>
-              <a:rPr lang="en-US" b="1" dirty="0" smtClean="0"/>
-              <a:t>Terminal Action</a:t>
-            </a:r>
-            <a:r>
-              <a:rPr lang="en-US" dirty="0" smtClean="0"/>
-              <a:t>: produce a result, </a:t>
-            </a:r>
-            <a:r>
-              <a:rPr lang="en-US" dirty="0"/>
-              <a:t>e.g. a </a:t>
-            </a:r>
-            <a:r>
-              <a:rPr lang="en-US" dirty="0" smtClean="0"/>
-              <a:t>scalar, that is not a data set (e.g. a </a:t>
-            </a:r>
-            <a:r>
-              <a:rPr lang="en-US" dirty="0" smtClean="0"/>
-              <a:t>Reduce action</a:t>
-            </a:r>
-            <a:r>
-              <a:rPr lang="en-US" dirty="0" smtClean="0"/>
-              <a:t>)</a:t>
-            </a:r>
-          </a:p>
-          <a:p>
-            <a:r>
-              <a:rPr lang="en-US" dirty="0" smtClean="0"/>
-              <a:t>Big data </a:t>
-            </a:r>
-            <a:r>
-              <a:rPr lang="en-US" dirty="0" smtClean="0"/>
-              <a:t>handlers (e.g. Hadoop, Spark) </a:t>
-            </a:r>
-            <a:r>
-              <a:rPr lang="en-US" dirty="0" smtClean="0"/>
-              <a:t>are optimized to perform these operations efficiently.</a:t>
-            </a:r>
-          </a:p>
-          <a:p>
-            <a:pPr lvl="1"/>
-            <a:r>
-              <a:rPr lang="en-US" dirty="0" smtClean="0"/>
-              <a:t>Transformations are evaluated in </a:t>
-            </a:r>
-            <a:r>
-              <a:rPr lang="en-US" i="1" dirty="0" smtClean="0"/>
-              <a:t>lazy</a:t>
-            </a:r>
-            <a:r>
-              <a:rPr lang="en-US" dirty="0" smtClean="0"/>
-              <a:t> fashion; that is they are performed only when a action is initialed and they may be reformulated for efficient execution </a:t>
-            </a:r>
-          </a:p>
-          <a:p>
-            <a:r>
-              <a:rPr lang="en-US" dirty="0" smtClean="0"/>
-              <a:t>Thus, to the extent possible, data handling operations should be performed inside a big data handler</a:t>
+              <a:rPr lang="en-US" dirty="0" smtClean="0"/>
+              <a:t>Examples: control of millions of energy storage batteries in hybrid vehicles, stochastic electricity unit commitment, individualized marketing offers to millions of customers</a:t>
+            </a:r>
+          </a:p>
+          <a:p>
+            <a:r>
+              <a:rPr lang="en-US" dirty="0" smtClean="0"/>
+              <a:t>Data handling tools such as Hadoop and Apache Spark can now process enormous data sets, using distributed, parallel processing</a:t>
+            </a:r>
+          </a:p>
+          <a:p>
+            <a:r>
+              <a:rPr lang="en-US" dirty="0" smtClean="0"/>
+              <a:t>Data exchange format for optimization needs to be able to adapt to big data as well</a:t>
             </a:r>
             <a:endParaRPr lang="en-US" dirty="0"/>
           </a:p>
@@ -10075,7 +11837,7 @@
     </p:spTree>
     <p:extLst>
       <p:ext uri="{BB962C8B-B14F-4D97-AF65-F5344CB8AC3E}">
-        <p14:creationId xmlns:p14="http://schemas.microsoft.com/office/powerpoint/2010/main" val="553699026"/>
+        <p14:creationId xmlns:p14="http://schemas.microsoft.com/office/powerpoint/2010/main" val="1526601268"/>
       </p:ext>
     </p:extLst>
   </p:cSld>
@@ -10125,12 +11887,8 @@
           <a:lstStyle/>
           <a:p>
             <a:r>
-              <a:rPr lang="en-US" dirty="0"/>
-              <a:t>Next Steps </a:t>
-            </a:r>
-            <a:r>
-              <a:rPr lang="en-US" dirty="0" smtClean="0"/>
-              <a:t>for MOSDEX</a:t>
+              <a:rPr lang="en-US" dirty="0" smtClean="0"/>
+              <a:t>Big Data Operations</a:t>
             </a:r>
             <a:endParaRPr lang="en-US" dirty="0"/>
           </a:p>
@@ -10146,219 +11904,124 @@
             <p:ph idx="1"/>
           </p:nvPr>
         </p:nvSpPr>
-        <p:spPr/>
+        <p:spPr>
+          <a:xfrm>
+            <a:off x="677334" y="1658318"/>
+            <a:ext cx="8596668" cy="4678098"/>
+          </a:xfrm>
+        </p:spPr>
         <p:txBody>
           <a:bodyPr>
             <a:normAutofit fontScale="85000" lnSpcReduction="20000"/>
           </a:bodyPr>
           <a:lstStyle/>
           <a:p>
-            <a:pPr>
-              <a:buFont typeface="+mj-lt"/>
-              <a:buAutoNum type="arabicPeriod"/>
-            </a:pPr>
-            <a:r>
-              <a:rPr lang="en-US" sz="2600" b="1" dirty="0" smtClean="0">
-                <a:latin typeface="+mj-lt"/>
-                <a:sym typeface="Wingdings 2" panose="05020102010507070707" pitchFamily="18" charset="2"/>
-              </a:rPr>
-              <a:t> </a:t>
-            </a:r>
-            <a:r>
-              <a:rPr lang="en-US" sz="2600" b="1" dirty="0" smtClean="0">
-                <a:latin typeface="Wingdings 3" panose="05040102010807070707" pitchFamily="18" charset="2"/>
-                <a:sym typeface="Wingdings 2" panose="05020102010507070707" pitchFamily="18" charset="2"/>
-              </a:rPr>
-              <a:t></a:t>
-            </a:r>
-            <a:r>
-              <a:rPr lang="en-US" dirty="0" smtClean="0"/>
-              <a:t>Agree on the basic structure of MOSDEX.</a:t>
-            </a:r>
-          </a:p>
-          <a:p>
-            <a:pPr>
-              <a:buFont typeface="+mj-lt"/>
-              <a:buAutoNum type="arabicPeriod"/>
-            </a:pPr>
-            <a:r>
-              <a:rPr lang="en-US" sz="2600" b="1" dirty="0" smtClean="0">
-                <a:sym typeface="Wingdings 2" panose="05020102010507070707" pitchFamily="18" charset="2"/>
-              </a:rPr>
-              <a:t> </a:t>
-            </a:r>
-            <a:r>
-              <a:rPr lang="en-US" sz="2600" b="1" dirty="0" smtClean="0">
-                <a:latin typeface="Wingdings 3" panose="05040102010807070707" pitchFamily="18" charset="2"/>
-                <a:sym typeface="Wingdings 2" panose="05020102010507070707" pitchFamily="18" charset="2"/>
-              </a:rPr>
-              <a:t></a:t>
-            </a:r>
-            <a:r>
-              <a:rPr lang="en-US" sz="2600" b="1" dirty="0" smtClean="0">
-                <a:solidFill>
-                  <a:prstClr val="black">
-                    <a:lumMod val="75000"/>
-                    <a:lumOff val="25000"/>
-                  </a:prstClr>
-                </a:solidFill>
-              </a:rPr>
-              <a:t> </a:t>
-            </a:r>
-            <a:r>
-              <a:rPr lang="en-US" dirty="0" smtClean="0"/>
-              <a:t>Draft rigorous syntax specifications for the new standard.</a:t>
-            </a:r>
-          </a:p>
-          <a:p>
-            <a:pPr>
-              <a:buFont typeface="+mj-lt"/>
-              <a:buAutoNum type="arabicPeriod"/>
-            </a:pPr>
-            <a:r>
-              <a:rPr lang="en-US" sz="2600" b="1" dirty="0" smtClean="0">
-                <a:sym typeface="Wingdings 2" panose="05020102010507070707" pitchFamily="18" charset="2"/>
-              </a:rPr>
-              <a:t> </a:t>
-            </a:r>
-            <a:r>
-              <a:rPr lang="en-US" sz="2600" b="1" dirty="0">
-                <a:latin typeface="Wingdings 3" panose="05040102010807070707" pitchFamily="18" charset="2"/>
-                <a:sym typeface="Wingdings 2" panose="05020102010507070707" pitchFamily="18" charset="2"/>
-              </a:rPr>
-              <a:t></a:t>
-            </a:r>
-            <a:r>
-              <a:rPr lang="en-US" sz="2600" b="1" dirty="0" smtClean="0">
-                <a:solidFill>
-                  <a:prstClr val="black">
-                    <a:lumMod val="75000"/>
-                    <a:lumOff val="25000"/>
-                  </a:prstClr>
-                </a:solidFill>
-              </a:rPr>
-              <a:t> </a:t>
-            </a:r>
-            <a:r>
-              <a:rPr lang="en-US" dirty="0" smtClean="0"/>
-              <a:t>Write </a:t>
-            </a:r>
+            <a:r>
+              <a:rPr lang="en-US" b="1" dirty="0" smtClean="0"/>
+              <a:t>Parallel Processing: </a:t>
+            </a:r>
+            <a:r>
+              <a:rPr lang="en-US" dirty="0" smtClean="0"/>
+              <a:t>Multi-processor architectures are becoming more common that permit operating on data sets in parallel</a:t>
+            </a:r>
+            <a:endParaRPr lang="en-US" b="1" dirty="0" smtClean="0"/>
+          </a:p>
+          <a:p>
+            <a:r>
+              <a:rPr lang="en-US" b="1" dirty="0" smtClean="0"/>
+              <a:t>Streaming</a:t>
+            </a:r>
+            <a:r>
+              <a:rPr lang="en-US" dirty="0" smtClean="0"/>
+              <a:t>: Data flows from a source (e.g. file, Twitter feed, etc.) to a destination (e.g. an optimization solver) without an intermediate resting place</a:t>
+            </a:r>
+          </a:p>
+          <a:p>
+            <a:pPr lvl="1"/>
             <a:r>
               <a:rPr lang="en-US" dirty="0"/>
-              <a:t>examples of the new standard using widely understood optimization problems (of which there are many published examples) with a view towards testing and extending the new standard where necessary. Examples should include (but not be limited to) network models, time-staged models involving lagged variables (e.g. production/inventory problems), and stochastic programs.</a:t>
-            </a:r>
-          </a:p>
-          <a:p>
-            <a:pPr>
-              <a:buFont typeface="+mj-lt"/>
-              <a:buAutoNum type="arabicPeriod"/>
-            </a:pPr>
-            <a:r>
-              <a:rPr lang="en-US" sz="2600" b="1" dirty="0" smtClean="0">
-                <a:solidFill>
-                  <a:prstClr val="black">
-                    <a:lumMod val="75000"/>
-                    <a:lumOff val="25000"/>
-                  </a:prstClr>
-                </a:solidFill>
-                <a:sym typeface="Wingdings 2" panose="05020102010507070707" pitchFamily="18" charset="2"/>
-              </a:rPr>
-              <a:t>     </a:t>
-            </a:r>
-            <a:r>
-              <a:rPr lang="en-US" dirty="0" smtClean="0"/>
-              <a:t>Code </a:t>
+              <a:t>Creating intermediate objects can overwhelm the stack space of the </a:t>
+            </a:r>
+            <a:r>
+              <a:rPr lang="en-US" dirty="0" smtClean="0"/>
+              <a:t>processor</a:t>
+            </a:r>
+          </a:p>
+          <a:p>
+            <a:pPr lvl="1"/>
+            <a:r>
+              <a:rPr lang="en-US" dirty="0" smtClean="0"/>
+              <a:t>Streams can support parallel processing on multiple processors</a:t>
+            </a:r>
+          </a:p>
+          <a:p>
+            <a:pPr lvl="1"/>
+            <a:r>
+              <a:rPr lang="en-US" dirty="0" smtClean="0"/>
+              <a:t>Operators work directly on a stream rather than on the individual items in the stream (unlike an iterator)</a:t>
+            </a:r>
+          </a:p>
+          <a:p>
+            <a:pPr lvl="1"/>
+            <a:r>
+              <a:rPr lang="en-US" dirty="0" smtClean="0"/>
+              <a:t>Many languages now support some form of stream processing</a:t>
+            </a:r>
+          </a:p>
+          <a:p>
+            <a:r>
+              <a:rPr lang="en-US" b="1" dirty="0" smtClean="0"/>
+              <a:t>Transformation</a:t>
+            </a:r>
+            <a:r>
+              <a:rPr lang="en-US" dirty="0" smtClean="0"/>
+              <a:t>: transform each row of a data set to a new row in another data set (e.g. a Map operation)</a:t>
+            </a:r>
+          </a:p>
+          <a:p>
+            <a:r>
+              <a:rPr lang="en-US" b="1" dirty="0" smtClean="0"/>
+              <a:t>Terminal Action</a:t>
+            </a:r>
+            <a:r>
+              <a:rPr lang="en-US" dirty="0" smtClean="0"/>
+              <a:t>: produce a result, </a:t>
             </a:r>
             <a:r>
               <a:rPr lang="en-US" dirty="0"/>
-              <a:t>samples demonstrating how the new standard utilizes different solvers’ APIs and different modeling languages.</a:t>
-            </a:r>
-          </a:p>
-          <a:p>
-            <a:pPr>
-              <a:buFont typeface="+mj-lt"/>
-              <a:buAutoNum type="arabicPeriod"/>
-            </a:pPr>
-            <a:r>
-              <a:rPr lang="en-US" sz="2600" b="1" dirty="0">
-                <a:solidFill>
-                  <a:prstClr val="black">
-                    <a:lumMod val="75000"/>
-                    <a:lumOff val="25000"/>
-                  </a:prstClr>
-                </a:solidFill>
-                <a:sym typeface="Wingdings 2" panose="05020102010507070707" pitchFamily="18" charset="2"/>
-              </a:rPr>
-              <a:t> </a:t>
-            </a:r>
-            <a:r>
-              <a:rPr lang="en-US" sz="2600" b="1" dirty="0" smtClean="0">
-                <a:solidFill>
-                  <a:prstClr val="black">
-                    <a:lumMod val="75000"/>
-                    <a:lumOff val="25000"/>
-                  </a:prstClr>
-                </a:solidFill>
-                <a:sym typeface="Wingdings 2" panose="05020102010507070707" pitchFamily="18" charset="2"/>
-              </a:rPr>
-              <a:t>    </a:t>
-            </a:r>
-            <a:r>
-              <a:rPr lang="en-US" dirty="0" smtClean="0"/>
-              <a:t>Code </a:t>
-            </a:r>
-            <a:r>
-              <a:rPr lang="en-US" dirty="0"/>
-              <a:t>parsers for the new standard for reading and writing files in the various target languages. In this step, adapt existing JSON parsers in the target languages to accept the syntax of the new standard.</a:t>
-            </a:r>
-          </a:p>
-          <a:p>
-            <a:pPr>
-              <a:buFont typeface="+mj-lt"/>
-              <a:buAutoNum type="arabicPeriod"/>
-            </a:pPr>
-            <a:r>
-              <a:rPr lang="en-US" sz="2600" b="1" dirty="0">
-                <a:sym typeface="Wingdings 2" panose="05020102010507070707" pitchFamily="18" charset="2"/>
-              </a:rPr>
-              <a:t> </a:t>
-            </a:r>
-            <a:r>
-              <a:rPr lang="en-US" sz="2600" b="1" dirty="0">
-                <a:latin typeface="Wingdings 3" panose="05040102010807070707" pitchFamily="18" charset="2"/>
-                <a:sym typeface="Wingdings 2" panose="05020102010507070707" pitchFamily="18" charset="2"/>
-              </a:rPr>
-              <a:t></a:t>
-            </a:r>
-            <a:r>
-              <a:rPr lang="en-US" sz="2600" b="1" dirty="0" smtClean="0">
-                <a:solidFill>
-                  <a:prstClr val="black">
-                    <a:lumMod val="75000"/>
-                    <a:lumOff val="25000"/>
-                  </a:prstClr>
-                </a:solidFill>
-              </a:rPr>
-              <a:t> </a:t>
-            </a:r>
-            <a:r>
-              <a:rPr lang="en-US" dirty="0" smtClean="0"/>
-              <a:t>Publish </a:t>
-            </a:r>
-            <a:r>
-              <a:rPr lang="en-US" dirty="0"/>
-              <a:t>the documentation and code developed in the previous steps on the COIN-OR </a:t>
-            </a:r>
-            <a:r>
-              <a:rPr lang="en-US" dirty="0" err="1"/>
-              <a:t>Github</a:t>
-            </a:r>
-            <a:r>
-              <a:rPr lang="en-US" dirty="0"/>
-              <a:t> site and solicit comments from users. </a:t>
-            </a:r>
-          </a:p>
-          <a:p>
+              <a:t>e.g. a </a:t>
+            </a:r>
+            <a:r>
+              <a:rPr lang="en-US" dirty="0" smtClean="0"/>
+              <a:t>scalar, that is not a data set (e.g. a Reduce action)</a:t>
+            </a:r>
+          </a:p>
+          <a:p>
+            <a:r>
+              <a:rPr lang="en-US" dirty="0" smtClean="0"/>
+              <a:t>Big data handlers (e.g. Hadoop, Spark) are optimized to perform these operations efficiently.</a:t>
+            </a:r>
+          </a:p>
+          <a:p>
+            <a:pPr lvl="1"/>
+            <a:r>
+              <a:rPr lang="en-US" dirty="0" smtClean="0"/>
+              <a:t>Transformations are evaluated in </a:t>
+            </a:r>
+            <a:r>
+              <a:rPr lang="en-US" i="1" dirty="0" smtClean="0"/>
+              <a:t>lazy</a:t>
+            </a:r>
+            <a:r>
+              <a:rPr lang="en-US" dirty="0" smtClean="0"/>
+              <a:t> fashion; that is they are performed only when a action is initialed and they may be reformulated for efficient execution </a:t>
+            </a:r>
+          </a:p>
+          <a:p>
+            <a:r>
+              <a:rPr lang="en-US" dirty="0" smtClean="0"/>
+              <a:t>Thus, to the extent possible, data handling operations should be performed inside a big data handler</a:t>
+            </a:r>
             <a:endParaRPr lang="en-US" dirty="0"/>
           </a:p>
         </p:txBody>
@@ -10412,7 +12075,7 @@
     </p:spTree>
     <p:extLst>
       <p:ext uri="{BB962C8B-B14F-4D97-AF65-F5344CB8AC3E}">
-        <p14:creationId xmlns:p14="http://schemas.microsoft.com/office/powerpoint/2010/main" val="3137314059"/>
+        <p14:creationId xmlns:p14="http://schemas.microsoft.com/office/powerpoint/2010/main" val="553699026"/>
       </p:ext>
     </p:extLst>
   </p:cSld>
@@ -10463,7 +12126,7 @@
           <a:p>
             <a:r>
               <a:rPr lang="en-US" dirty="0" smtClean="0"/>
-              <a:t>Summary</a:t>
+              <a:t>Additional MOSDEX Capabilities</a:t>
             </a:r>
             <a:endParaRPr lang="en-US" dirty="0"/>
           </a:p>
@@ -10485,69 +12148,44 @@
           <a:lstStyle/>
           <a:p>
             <a:r>
-              <a:rPr lang="en-US" dirty="0" smtClean="0"/>
-              <a:t>MOSDEX is intended as a data </a:t>
-            </a:r>
-            <a:r>
               <a:rPr lang="en-US" dirty="0"/>
-              <a:t>and model </a:t>
-            </a:r>
-            <a:r>
-              <a:rPr lang="en-US" dirty="0" smtClean="0"/>
-              <a:t>exchange format that supports multiple solver APIs in multiple programming languages and multiple modeling languages</a:t>
-            </a:r>
-          </a:p>
-          <a:p>
-            <a:r>
-              <a:rPr lang="en-US" dirty="0" smtClean="0"/>
-              <a:t>The MOSDEX includes the following aspects</a:t>
-            </a:r>
-          </a:p>
-          <a:p>
-            <a:r>
-              <a:rPr lang="en-US" dirty="0" smtClean="0"/>
-              <a:t>It represents </a:t>
-            </a:r>
+              <a:t>Linear, Mixed Integer, and Quadratic </a:t>
+            </a:r>
+            <a:r>
+              <a:rPr lang="en-US" dirty="0" smtClean="0"/>
+              <a:t>Optimization Models</a:t>
+            </a:r>
+          </a:p>
+          <a:p>
             <a:r>
               <a:rPr lang="en-US" dirty="0"/>
-              <a:t>the data in relational form</a:t>
-            </a:r>
-          </a:p>
-          <a:p>
-            <a:r>
-              <a:rPr lang="en-US" dirty="0" smtClean="0"/>
-              <a:t>It uses </a:t>
+              <a:t>Modular </a:t>
+            </a:r>
+            <a:r>
+              <a:rPr lang="en-US" dirty="0" smtClean="0"/>
+              <a:t>Structures - Decomposition, Stochastic Programming, </a:t>
             </a:r>
             <a:r>
               <a:rPr lang="en-US" dirty="0"/>
-              <a:t>the JSON standard</a:t>
-            </a:r>
-          </a:p>
-          <a:p>
-            <a:r>
-              <a:rPr lang="en-US" dirty="0" smtClean="0"/>
-              <a:t>It augments the </a:t>
-            </a:r>
+              <a:t>etc. (experimental)</a:t>
+            </a:r>
+            <a:endParaRPr lang="en-US" dirty="0" smtClean="0"/>
+          </a:p>
+          <a:p>
             <a:r>
               <a:rPr lang="en-US" dirty="0"/>
-              <a:t>data representation with mathematical modeling </a:t>
-            </a:r>
-            <a:r>
-              <a:rPr lang="en-US" dirty="0" smtClean="0"/>
-              <a:t>objects</a:t>
-            </a:r>
-          </a:p>
-          <a:p>
-            <a:r>
-              <a:rPr lang="en-US" dirty="0" smtClean="0"/>
-              <a:t>There is a defined development path for MOSDEX</a:t>
-            </a:r>
-            <a:endParaRPr lang="en-US" dirty="0"/>
-          </a:p>
-          <a:p>
-            <a:endParaRPr lang="en-US" dirty="0" smtClean="0"/>
-          </a:p>
-          <a:p>
+              <a:t>Nonlinear Optimization </a:t>
+            </a:r>
+            <a:r>
+              <a:rPr lang="en-US" dirty="0" smtClean="0"/>
+              <a:t>Models (experimental)</a:t>
+            </a:r>
+          </a:p>
+          <a:p>
+            <a:r>
+              <a:rPr lang="en-US" dirty="0" smtClean="0"/>
+              <a:t>MOSDEX is designed for extension</a:t>
+            </a:r>
             <a:endParaRPr lang="en-US" dirty="0"/>
           </a:p>
         </p:txBody>
@@ -10601,7 +12239,7 @@
     </p:spTree>
     <p:extLst>
       <p:ext uri="{BB962C8B-B14F-4D97-AF65-F5344CB8AC3E}">
-        <p14:creationId xmlns:p14="http://schemas.microsoft.com/office/powerpoint/2010/main" val="1806401025"/>
+        <p14:creationId xmlns:p14="http://schemas.microsoft.com/office/powerpoint/2010/main" val="1142388216"/>
       </p:ext>
     </p:extLst>
   </p:cSld>
@@ -10647,138 +12285,298 @@
         </p:nvSpPr>
         <p:spPr/>
         <p:txBody>
+          <a:bodyPr/>
+          <a:lstStyle/>
+          <a:p>
+            <a:r>
+              <a:rPr lang="en-US" dirty="0"/>
+              <a:t>Next Steps </a:t>
+            </a:r>
+            <a:r>
+              <a:rPr lang="en-US" dirty="0" smtClean="0"/>
+              <a:t>for MOSDEX</a:t>
+            </a:r>
+            <a:endParaRPr lang="en-US" dirty="0"/>
+          </a:p>
+        </p:txBody>
+      </p:sp>
+      <p:sp>
+        <p:nvSpPr>
+          <p:cNvPr id="3" name="Content Placeholder 2"/>
+          <p:cNvSpPr>
+            <a:spLocks noGrp="1"/>
+          </p:cNvSpPr>
+          <p:nvPr>
+            <p:ph idx="1"/>
+          </p:nvPr>
+        </p:nvSpPr>
+        <p:spPr/>
+        <p:txBody>
           <a:bodyPr>
-            <a:normAutofit/>
+            <a:normAutofit fontScale="85000" lnSpcReduction="20000"/>
           </a:bodyPr>
           <a:lstStyle/>
           <a:p>
-            <a:r>
-              <a:rPr lang="en-US" dirty="0"/>
-              <a:t>MOSDEX Resources</a:t>
-            </a:r>
-            <a:br>
-              <a:rPr lang="en-US" dirty="0"/>
-            </a:br>
-            <a:r>
-              <a:rPr lang="en-US" sz="2000" dirty="0"/>
-              <a:t>https://github.com/coin-modeling-dev/MOSDEX-Examples/tree/master/MOSDEX-1.2</a:t>
-            </a:r>
-          </a:p>
-        </p:txBody>
-      </p:sp>
-      <p:sp>
-        <p:nvSpPr>
-          <p:cNvPr id="3" name="Content Placeholder 2"/>
-          <p:cNvSpPr>
-            <a:spLocks noGrp="1"/>
-          </p:cNvSpPr>
-          <p:nvPr>
-            <p:ph idx="1"/>
-          </p:nvPr>
-        </p:nvSpPr>
-        <p:spPr/>
-        <p:txBody>
-          <a:bodyPr/>
-          <a:lstStyle/>
-          <a:p>
-            <a:r>
-              <a:rPr lang="en-US" dirty="0" smtClean="0"/>
-              <a:t>MOSDEX Standard</a:t>
-            </a:r>
-          </a:p>
-          <a:p>
-            <a:pPr lvl="1"/>
-            <a:r>
-              <a:rPr lang="en-US" dirty="0" smtClean="0"/>
-              <a:t>MOSDEX Syntax v1-2.docx</a:t>
-            </a:r>
-          </a:p>
-          <a:p>
-            <a:r>
-              <a:rPr lang="en-US" dirty="0" smtClean="0"/>
-              <a:t>MOSDEX Schema</a:t>
-            </a:r>
-          </a:p>
-          <a:p>
-            <a:pPr lvl="1"/>
-            <a:r>
-              <a:rPr lang="en-US" dirty="0" smtClean="0"/>
-              <a:t>MOSDEXSchemaV1-2.json</a:t>
-            </a:r>
-          </a:p>
-        </p:txBody>
-      </p:sp>
-      <p:sp>
-        <p:nvSpPr>
-          <p:cNvPr id="4" name="Footer Placeholder 3"/>
-          <p:cNvSpPr>
-            <a:spLocks noGrp="1"/>
-          </p:cNvSpPr>
-          <p:nvPr>
-            <p:ph type="ftr" sz="quarter" idx="11"/>
-          </p:nvPr>
-        </p:nvSpPr>
-        <p:spPr/>
-        <p:txBody>
-          <a:bodyPr/>
-          <a:lstStyle/>
-          <a:p>
-            <a:r>
-              <a:rPr lang="en-US" smtClean="0">
+            <a:pPr>
+              <a:buFont typeface="+mj-lt"/>
+              <a:buAutoNum type="arabicPeriod"/>
+            </a:pPr>
+            <a:r>
+              <a:rPr lang="en-US" sz="2600" b="1" dirty="0" smtClean="0">
+                <a:latin typeface="+mj-lt"/>
+                <a:sym typeface="Wingdings 2" panose="05020102010507070707" pitchFamily="18" charset="2"/>
+              </a:rPr>
+              <a:t> </a:t>
+            </a:r>
+            <a:r>
+              <a:rPr lang="en-US" sz="2600" b="1" dirty="0" smtClean="0">
+                <a:latin typeface="Wingdings 3" panose="05040102010807070707" pitchFamily="18" charset="2"/>
+                <a:sym typeface="Wingdings 2" panose="05020102010507070707" pitchFamily="18" charset="2"/>
+              </a:rPr>
+              <a:t></a:t>
+            </a:r>
+            <a:r>
+              <a:rPr lang="en-US" dirty="0" smtClean="0"/>
+              <a:t>Agree on the basic structure of MOSDEX.</a:t>
+            </a:r>
+          </a:p>
+          <a:p>
+            <a:pPr>
+              <a:buFont typeface="+mj-lt"/>
+              <a:buAutoNum type="arabicPeriod"/>
+            </a:pPr>
+            <a:r>
+              <a:rPr lang="en-US" sz="2600" b="1" dirty="0" smtClean="0">
+                <a:sym typeface="Wingdings 2" panose="05020102010507070707" pitchFamily="18" charset="2"/>
+              </a:rPr>
+              <a:t> </a:t>
+            </a:r>
+            <a:r>
+              <a:rPr lang="en-US" sz="2600" b="1" dirty="0" smtClean="0">
+                <a:latin typeface="Wingdings 3" panose="05040102010807070707" pitchFamily="18" charset="2"/>
+                <a:sym typeface="Wingdings 2" panose="05020102010507070707" pitchFamily="18" charset="2"/>
+              </a:rPr>
+              <a:t></a:t>
+            </a:r>
+            <a:r>
+              <a:rPr lang="en-US" sz="2600" b="1" dirty="0" smtClean="0">
                 <a:solidFill>
                   <a:prstClr val="black">
-                    <a:tint val="75000"/>
+                    <a:lumMod val="75000"/>
+                    <a:lumOff val="25000"/>
                   </a:prstClr>
                 </a:solidFill>
               </a:rPr>
-              <a:t>©2020 Jeremy A. Bloom</a:t>
-            </a:r>
-            <a:endParaRPr lang="en-US" dirty="0">
-              <a:solidFill>
-                <a:prstClr val="black">
-                  <a:tint val="75000"/>
-                </a:prstClr>
-              </a:solidFill>
-            </a:endParaRPr>
-          </a:p>
-        </p:txBody>
-      </p:sp>
-      <p:sp>
-        <p:nvSpPr>
-          <p:cNvPr id="5" name="Slide Number Placeholder 4"/>
-          <p:cNvSpPr>
-            <a:spLocks noGrp="1"/>
-          </p:cNvSpPr>
-          <p:nvPr>
-            <p:ph type="sldNum" sz="quarter" idx="12"/>
-          </p:nvPr>
-        </p:nvSpPr>
-        <p:spPr/>
-        <p:txBody>
-          <a:bodyPr/>
-          <a:lstStyle/>
-          <a:p>
-            <a:fld id="{519954A3-9DFD-4C44-94BA-B95130A3BA1C}" type="slidenum">
-              <a:rPr lang="en-US" smtClean="0">
+              <a:t> </a:t>
+            </a:r>
+            <a:r>
+              <a:rPr lang="en-US" dirty="0" smtClean="0"/>
+              <a:t>Draft rigorous syntax specifications for the new standard.</a:t>
+            </a:r>
+          </a:p>
+          <a:p>
+            <a:pPr>
+              <a:buFont typeface="+mj-lt"/>
+              <a:buAutoNum type="arabicPeriod"/>
+            </a:pPr>
+            <a:r>
+              <a:rPr lang="en-US" sz="2600" b="1" dirty="0" smtClean="0">
+                <a:sym typeface="Wingdings 2" panose="05020102010507070707" pitchFamily="18" charset="2"/>
+              </a:rPr>
+              <a:t> </a:t>
+            </a:r>
+            <a:r>
+              <a:rPr lang="en-US" sz="2600" b="1" dirty="0">
+                <a:latin typeface="Wingdings 3" panose="05040102010807070707" pitchFamily="18" charset="2"/>
+                <a:sym typeface="Wingdings 2" panose="05020102010507070707" pitchFamily="18" charset="2"/>
+              </a:rPr>
+              <a:t></a:t>
+            </a:r>
+            <a:r>
+              <a:rPr lang="en-US" sz="2600" b="1" dirty="0" smtClean="0">
                 <a:solidFill>
-                  <a:srgbClr val="5FCBEF"/>
+                  <a:prstClr val="black">
+                    <a:lumMod val="75000"/>
+                    <a:lumOff val="25000"/>
+                  </a:prstClr>
                 </a:solidFill>
               </a:rPr>
-              <a:pPr/>
+              <a:t> </a:t>
+            </a:r>
+            <a:r>
+              <a:rPr lang="en-US" dirty="0" smtClean="0"/>
+              <a:t>Write </a:t>
+            </a:r>
+            <a:r>
+              <a:rPr lang="en-US" dirty="0"/>
+              <a:t>examples of the new standard using widely understood optimization problems (of which there are many published examples) with a view towards testing and extending the new standard where necessary. Examples should include (but not be limited to) network models, time-staged models involving lagged variables (e.g. production/inventory problems), and stochastic programs.</a:t>
+            </a:r>
+          </a:p>
+          <a:p>
+            <a:pPr>
+              <a:buFont typeface="+mj-lt"/>
+              <a:buAutoNum type="arabicPeriod"/>
+            </a:pPr>
+            <a:r>
+              <a:rPr lang="en-US" sz="2600" b="1" dirty="0" smtClean="0">
+                <a:solidFill>
+                  <a:prstClr val="black">
+                    <a:lumMod val="75000"/>
+                    <a:lumOff val="25000"/>
+                  </a:prstClr>
+                </a:solidFill>
+                <a:sym typeface="Wingdings 2" panose="05020102010507070707" pitchFamily="18" charset="2"/>
+              </a:rPr>
+              <a:t>     </a:t>
+            </a:r>
+            <a:r>
+              <a:rPr lang="en-US" dirty="0" smtClean="0"/>
+              <a:t>Code </a:t>
+            </a:r>
+            <a:r>
+              <a:rPr lang="en-US" dirty="0"/>
+              <a:t>samples demonstrating how the new standard utilizes different solvers’ APIs and different modeling languages.</a:t>
+            </a:r>
+          </a:p>
+          <a:p>
+            <a:pPr>
+              <a:buFont typeface="+mj-lt"/>
+              <a:buAutoNum type="arabicPeriod"/>
+            </a:pPr>
+            <a:r>
+              <a:rPr lang="en-US" sz="2600" b="1" dirty="0">
+                <a:solidFill>
+                  <a:prstClr val="black">
+                    <a:lumMod val="75000"/>
+                    <a:lumOff val="25000"/>
+                  </a:prstClr>
+                </a:solidFill>
+                <a:sym typeface="Wingdings 2" panose="05020102010507070707" pitchFamily="18" charset="2"/>
+              </a:rPr>
+              <a:t> </a:t>
+            </a:r>
+            <a:r>
+              <a:rPr lang="en-US" sz="2600" b="1" dirty="0" smtClean="0">
+                <a:solidFill>
+                  <a:prstClr val="black">
+                    <a:lumMod val="75000"/>
+                    <a:lumOff val="25000"/>
+                  </a:prstClr>
+                </a:solidFill>
+                <a:sym typeface="Wingdings 2" panose="05020102010507070707" pitchFamily="18" charset="2"/>
+              </a:rPr>
+              <a:t>    </a:t>
+            </a:r>
+            <a:r>
+              <a:rPr lang="en-US" dirty="0" smtClean="0"/>
+              <a:t>Code </a:t>
+            </a:r>
+            <a:r>
+              <a:rPr lang="en-US" dirty="0"/>
+              <a:t>parsers for the new standard for reading and writing files in the various target languages. In this step, adapt existing JSON parsers in the target languages to accept the syntax of the new standard.</a:t>
+            </a:r>
+          </a:p>
+          <a:p>
+            <a:pPr>
+              <a:buFont typeface="+mj-lt"/>
+              <a:buAutoNum type="arabicPeriod"/>
+            </a:pPr>
+            <a:r>
+              <a:rPr lang="en-US" sz="2600" b="1" dirty="0">
+                <a:sym typeface="Wingdings 2" panose="05020102010507070707" pitchFamily="18" charset="2"/>
+              </a:rPr>
+              <a:t> </a:t>
+            </a:r>
+            <a:r>
+              <a:rPr lang="en-US" sz="2600" b="1" dirty="0">
+                <a:latin typeface="Wingdings 3" panose="05040102010807070707" pitchFamily="18" charset="2"/>
+                <a:sym typeface="Wingdings 2" panose="05020102010507070707" pitchFamily="18" charset="2"/>
+              </a:rPr>
+              <a:t></a:t>
+            </a:r>
+            <a:r>
+              <a:rPr lang="en-US" sz="2600" b="1" dirty="0" smtClean="0">
+                <a:solidFill>
+                  <a:prstClr val="black">
+                    <a:lumMod val="75000"/>
+                    <a:lumOff val="25000"/>
+                  </a:prstClr>
+                </a:solidFill>
+              </a:rPr>
+              <a:t> </a:t>
+            </a:r>
+            <a:r>
+              <a:rPr lang="en-US" dirty="0" smtClean="0"/>
+              <a:t>Publish </a:t>
+            </a:r>
+            <a:r>
+              <a:rPr lang="en-US" dirty="0"/>
+              <a:t>the documentation and code developed in the previous steps on the COIN-OR </a:t>
+            </a:r>
+            <a:r>
+              <a:rPr lang="en-US" dirty="0" err="1"/>
+              <a:t>Github</a:t>
+            </a:r>
+            <a:r>
+              <a:rPr lang="en-US" dirty="0"/>
+              <a:t> site and solicit comments from users. </a:t>
+            </a:r>
+          </a:p>
+          <a:p>
+            <a:endParaRPr lang="en-US" dirty="0"/>
+          </a:p>
+        </p:txBody>
+      </p:sp>
+      <p:sp>
+        <p:nvSpPr>
+          <p:cNvPr id="4" name="Footer Placeholder 3"/>
+          <p:cNvSpPr>
+            <a:spLocks noGrp="1"/>
+          </p:cNvSpPr>
+          <p:nvPr>
+            <p:ph type="ftr" sz="quarter" idx="11"/>
+          </p:nvPr>
+        </p:nvSpPr>
+        <p:spPr/>
+        <p:txBody>
+          <a:bodyPr/>
+          <a:lstStyle/>
+          <a:p>
+            <a:r>
+              <a:rPr lang="en-US" smtClean="0"/>
+              <a:t>©2020 Jeremy A. Bloom</a:t>
+            </a:r>
+            <a:endParaRPr lang="en-US" dirty="0"/>
+          </a:p>
+        </p:txBody>
+      </p:sp>
+      <p:sp>
+        <p:nvSpPr>
+          <p:cNvPr id="5" name="Slide Number Placeholder 4"/>
+          <p:cNvSpPr>
+            <a:spLocks noGrp="1"/>
+          </p:cNvSpPr>
+          <p:nvPr>
+            <p:ph type="sldNum" sz="quarter" idx="12"/>
+          </p:nvPr>
+        </p:nvSpPr>
+        <p:spPr/>
+        <p:txBody>
+          <a:bodyPr/>
+          <a:lstStyle/>
+          <a:p>
+            <a:fld id="{519954A3-9DFD-4C44-94BA-B95130A3BA1C}" type="slidenum">
+              <a:rPr lang="en-US" smtClean="0"/>
               <a:t>19</a:t>
             </a:fld>
-            <a:endParaRPr lang="en-US" dirty="0">
-              <a:solidFill>
-                <a:srgbClr val="5FCBEF"/>
-              </a:solidFill>
-            </a:endParaRPr>
+            <a:endParaRPr lang="en-US" dirty="0"/>
           </a:p>
         </p:txBody>
       </p:sp>
     </p:spTree>
     <p:extLst>
       <p:ext uri="{BB962C8B-B14F-4D97-AF65-F5344CB8AC3E}">
-        <p14:creationId xmlns:p14="http://schemas.microsoft.com/office/powerpoint/2010/main" val="2087452662"/>
+        <p14:creationId xmlns:p14="http://schemas.microsoft.com/office/powerpoint/2010/main" val="3137314059"/>
       </p:ext>
     </p:extLst>
   </p:cSld>
@@ -10886,7 +12684,13 @@
           <a:p>
             <a:r>
               <a:rPr lang="en-US" dirty="0" smtClean="0"/>
-              <a:t>MOSDEX Architecture and The </a:t>
+              <a:t>Optimization Architecture and MOSDEX</a:t>
+            </a:r>
+          </a:p>
+          <a:p>
+            <a:r>
+              <a:rPr lang="en-US" dirty="0" smtClean="0"/>
+              <a:t>The </a:t>
             </a:r>
             <a:r>
               <a:rPr lang="en-US" dirty="0"/>
@@ -10894,8 +12698,23 @@
             </a:r>
             <a:r>
               <a:rPr lang="en-US" dirty="0" smtClean="0"/>
-              <a:t>Data Future</a:t>
-            </a:r>
+              <a:t>Data </a:t>
+            </a:r>
+            <a:r>
+              <a:rPr lang="en-US" dirty="0" smtClean="0"/>
+              <a:t>Future</a:t>
+            </a:r>
+          </a:p>
+          <a:p>
+            <a:r>
+              <a:rPr lang="en-US" dirty="0"/>
+              <a:t>Additional </a:t>
+            </a:r>
+            <a:r>
+              <a:rPr lang="en-US" dirty="0" err="1"/>
+              <a:t>MOSDEXCapabilities</a:t>
+            </a:r>
+            <a:endParaRPr lang="en-US" dirty="0" smtClean="0"/>
           </a:p>
           <a:p>
             <a:r>
@@ -10968,6 +12787,13 @@
   <p:clrMapOvr>
     <a:masterClrMapping/>
   </p:clrMapOvr>
+  <p:timing>
+    <p:tnLst>
+      <p:par>
+        <p:cTn id="1" dur="indefinite" restart="never" nodeType="tmRoot"/>
+      </p:par>
+    </p:tnLst>
+  </p:timing>
 </p:sld>
 </file>
 
@@ -11000,6 +12826,195 @@
         </p:nvSpPr>
         <p:spPr/>
         <p:txBody>
+          <a:bodyPr/>
+          <a:lstStyle/>
+          <a:p>
+            <a:r>
+              <a:rPr lang="en-US" dirty="0" smtClean="0"/>
+              <a:t>Summary</a:t>
+            </a:r>
+            <a:endParaRPr lang="en-US" dirty="0"/>
+          </a:p>
+        </p:txBody>
+      </p:sp>
+      <p:sp>
+        <p:nvSpPr>
+          <p:cNvPr id="3" name="Content Placeholder 2"/>
+          <p:cNvSpPr>
+            <a:spLocks noGrp="1"/>
+          </p:cNvSpPr>
+          <p:nvPr>
+            <p:ph idx="1"/>
+          </p:nvPr>
+        </p:nvSpPr>
+        <p:spPr/>
+        <p:txBody>
+          <a:bodyPr/>
+          <a:lstStyle/>
+          <a:p>
+            <a:r>
+              <a:rPr lang="en-US" dirty="0" smtClean="0"/>
+              <a:t>MOSDEX is intended as a data </a:t>
+            </a:r>
+            <a:r>
+              <a:rPr lang="en-US" dirty="0"/>
+              <a:t>and model </a:t>
+            </a:r>
+            <a:r>
+              <a:rPr lang="en-US" dirty="0" smtClean="0"/>
+              <a:t>exchange format that supports multiple solver APIs in multiple programming languages and multiple modeling languages</a:t>
+            </a:r>
+          </a:p>
+          <a:p>
+            <a:r>
+              <a:rPr lang="en-US" dirty="0" smtClean="0"/>
+              <a:t>The MOSDEX includes the following aspects</a:t>
+            </a:r>
+          </a:p>
+          <a:p>
+            <a:r>
+              <a:rPr lang="en-US" dirty="0" smtClean="0"/>
+              <a:t>It represents </a:t>
+            </a:r>
+            <a:r>
+              <a:rPr lang="en-US" dirty="0"/>
+              <a:t>the data in relational form</a:t>
+            </a:r>
+          </a:p>
+          <a:p>
+            <a:r>
+              <a:rPr lang="en-US" dirty="0" smtClean="0"/>
+              <a:t>It uses </a:t>
+            </a:r>
+            <a:r>
+              <a:rPr lang="en-US" dirty="0"/>
+              <a:t>the JSON standard</a:t>
+            </a:r>
+          </a:p>
+          <a:p>
+            <a:r>
+              <a:rPr lang="en-US" dirty="0" smtClean="0"/>
+              <a:t>It augments the </a:t>
+            </a:r>
+            <a:r>
+              <a:rPr lang="en-US" dirty="0"/>
+              <a:t>data representation with mathematical modeling </a:t>
+            </a:r>
+            <a:r>
+              <a:rPr lang="en-US" dirty="0" smtClean="0"/>
+              <a:t>objects</a:t>
+            </a:r>
+          </a:p>
+          <a:p>
+            <a:r>
+              <a:rPr lang="en-US" dirty="0" smtClean="0"/>
+              <a:t>There is a defined development path for MOSDEX</a:t>
+            </a:r>
+            <a:endParaRPr lang="en-US" dirty="0"/>
+          </a:p>
+          <a:p>
+            <a:endParaRPr lang="en-US" dirty="0" smtClean="0"/>
+          </a:p>
+          <a:p>
+            <a:endParaRPr lang="en-US" dirty="0"/>
+          </a:p>
+        </p:txBody>
+      </p:sp>
+      <p:sp>
+        <p:nvSpPr>
+          <p:cNvPr id="4" name="Footer Placeholder 3"/>
+          <p:cNvSpPr>
+            <a:spLocks noGrp="1"/>
+          </p:cNvSpPr>
+          <p:nvPr>
+            <p:ph type="ftr" sz="quarter" idx="11"/>
+          </p:nvPr>
+        </p:nvSpPr>
+        <p:spPr/>
+        <p:txBody>
+          <a:bodyPr/>
+          <a:lstStyle/>
+          <a:p>
+            <a:r>
+              <a:rPr lang="en-US" smtClean="0"/>
+              <a:t>©2020 Jeremy A. Bloom</a:t>
+            </a:r>
+            <a:endParaRPr lang="en-US" dirty="0"/>
+          </a:p>
+        </p:txBody>
+      </p:sp>
+      <p:sp>
+        <p:nvSpPr>
+          <p:cNvPr id="5" name="Slide Number Placeholder 4"/>
+          <p:cNvSpPr>
+            <a:spLocks noGrp="1"/>
+          </p:cNvSpPr>
+          <p:nvPr>
+            <p:ph type="sldNum" sz="quarter" idx="12"/>
+          </p:nvPr>
+        </p:nvSpPr>
+        <p:spPr/>
+        <p:txBody>
+          <a:bodyPr/>
+          <a:lstStyle/>
+          <a:p>
+            <a:fld id="{519954A3-9DFD-4C44-94BA-B95130A3BA1C}" type="slidenum">
+              <a:rPr lang="en-US" smtClean="0"/>
+              <a:t>20</a:t>
+            </a:fld>
+            <a:endParaRPr lang="en-US" dirty="0"/>
+          </a:p>
+        </p:txBody>
+      </p:sp>
+    </p:spTree>
+    <p:extLst>
+      <p:ext uri="{BB962C8B-B14F-4D97-AF65-F5344CB8AC3E}">
+        <p14:creationId xmlns:p14="http://schemas.microsoft.com/office/powerpoint/2010/main" val="1806401025"/>
+      </p:ext>
+    </p:extLst>
+  </p:cSld>
+  <p:clrMapOvr>
+    <a:masterClrMapping/>
+  </p:clrMapOvr>
+  <p:timing>
+    <p:tnLst>
+      <p:par>
+        <p:cTn id="1" dur="indefinite" restart="never" nodeType="tmRoot"/>
+      </p:par>
+    </p:tnLst>
+  </p:timing>
+</p:sld>
+</file>
+
+<file path=ppt/slides/slide21.xml><?xml version="1.0" encoding="utf-8"?>
+<p:sld xmlns:a="http://schemas.openxmlformats.org/drawingml/2006/main" xmlns:r="http://schemas.openxmlformats.org/officeDocument/2006/relationships" xmlns:p="http://schemas.openxmlformats.org/presentationml/2006/main">
+  <p:cSld>
+    <p:spTree>
+      <p:nvGrpSpPr>
+        <p:cNvPr id="1" name=""/>
+        <p:cNvGrpSpPr/>
+        <p:nvPr/>
+      </p:nvGrpSpPr>
+      <p:grpSpPr>
+        <a:xfrm>
+          <a:off x="0" y="0"/>
+          <a:ext cx="0" cy="0"/>
+          <a:chOff x="0" y="0"/>
+          <a:chExt cx="0" cy="0"/>
+        </a:xfrm>
+      </p:grpSpPr>
+      <p:sp>
+        <p:nvSpPr>
+          <p:cNvPr id="2" name="Title 1"/>
+          <p:cNvSpPr>
+            <a:spLocks noGrp="1"/>
+          </p:cNvSpPr>
+          <p:nvPr>
+            <p:ph type="title"/>
+          </p:nvPr>
+        </p:nvSpPr>
+        <p:spPr/>
+        <p:txBody>
           <a:bodyPr>
             <a:normAutofit/>
           </a:bodyPr>
@@ -11007,13 +13022,13 @@
           <a:p>
             <a:r>
               <a:rPr lang="en-US" dirty="0"/>
-              <a:t>MOSDEX Examples</a:t>
+              <a:t>MOSDEX Resources</a:t>
             </a:r>
             <a:br>
               <a:rPr lang="en-US" dirty="0"/>
             </a:br>
             <a:r>
-              <a:rPr lang="en-US" sz="1800" dirty="0"/>
+              <a:rPr lang="en-US" sz="2000" dirty="0"/>
               <a:t>https://github.com/coin-modeling-dev/MOSDEX-Examples/tree/master/MOSDEX-1.2</a:t>
             </a:r>
           </a:p>
@@ -11031,88 +13046,33 @@
         </p:nvSpPr>
         <p:spPr/>
         <p:txBody>
-          <a:bodyPr>
-            <a:normAutofit fontScale="85000" lnSpcReduction="20000"/>
-          </a:bodyPr>
-          <a:lstStyle/>
-          <a:p>
-            <a:r>
-              <a:rPr lang="en-US" dirty="0"/>
-              <a:t>Volsay_1-2.json – a simple 2-variable, 3-constraint linear program illustrating instance form tables</a:t>
-            </a:r>
-          </a:p>
-          <a:p>
-            <a:r>
-              <a:rPr lang="en-US" dirty="0"/>
-              <a:t>net1a_1-2.json – a network flow linear program illustrating </a:t>
-            </a:r>
-            <a:r>
-              <a:rPr lang="en-US" dirty="0" smtClean="0"/>
-              <a:t>query </a:t>
-            </a:r>
-            <a:r>
-              <a:rPr lang="en-US" dirty="0"/>
-              <a:t>form tables</a:t>
-            </a:r>
-          </a:p>
-          <a:p>
-            <a:r>
-              <a:rPr lang="en-US" dirty="0"/>
-              <a:t>net1b_1-2.json – the same network flow linear program using instance form tables</a:t>
-            </a:r>
-          </a:p>
-          <a:p>
-            <a:r>
-              <a:rPr lang="en-US" dirty="0"/>
-              <a:t>sailco_1-2.json – a production planning linear program illustrating lagged inventory decision variables</a:t>
-            </a:r>
-          </a:p>
-          <a:p>
-            <a:r>
-              <a:rPr lang="en-US" dirty="0"/>
-              <a:t>warehousing_1-2.json – a facility location mixed-integer linear program illustrating a large-scale, structured problem in </a:t>
-            </a:r>
-            <a:r>
-              <a:rPr lang="en-US" dirty="0" smtClean="0"/>
-              <a:t>query </a:t>
-            </a:r>
-            <a:r>
-              <a:rPr lang="en-US" dirty="0"/>
-              <a:t>form</a:t>
-            </a:r>
-          </a:p>
-          <a:p>
-            <a:r>
-              <a:rPr lang="en-US" dirty="0"/>
-              <a:t>multicommodity_1-2.json – a multi-commodity network flow linear program in extensive form</a:t>
-            </a:r>
-          </a:p>
-          <a:p>
-            <a:r>
-              <a:rPr lang="en-US" dirty="0" smtClean="0"/>
-              <a:t>cuttingStock_1-2.json </a:t>
-            </a:r>
-            <a:r>
-              <a:rPr lang="en-US" dirty="0"/>
-              <a:t>– a cutting-stock mixed-integer linear program illustrating use of modular structure for decomposition in a column generation algorithm</a:t>
-            </a:r>
-          </a:p>
-          <a:p>
-            <a:r>
-              <a:rPr lang="en-US" dirty="0"/>
-              <a:t>trafficNetworkQP_1-2.json – a quadratic programming problem</a:t>
-            </a:r>
-          </a:p>
-          <a:p>
-            <a:r>
-              <a:rPr lang="en-US" dirty="0"/>
-              <a:t>trafficNetworkNLP_1-2.json – the same problem formulated as a nonlinear program with expression </a:t>
-            </a:r>
-            <a:r>
-              <a:rPr lang="en-US" dirty="0" smtClean="0"/>
-              <a:t>graph</a:t>
-            </a:r>
-            <a:endParaRPr lang="en-US" dirty="0"/>
+          <a:bodyPr/>
+          <a:lstStyle/>
+          <a:p>
+            <a:r>
+              <a:rPr lang="en-US" dirty="0" smtClean="0"/>
+              <a:t>MOSDEX Standard</a:t>
+            </a:r>
+          </a:p>
+          <a:p>
+            <a:pPr lvl="1"/>
+            <a:r>
+              <a:rPr lang="en-US" dirty="0" smtClean="0"/>
+              <a:t>MOSDEX Syntax v1-2.docx</a:t>
+            </a:r>
+          </a:p>
+          <a:p>
+            <a:r>
+              <a:rPr lang="en-US" dirty="0" smtClean="0"/>
+              <a:t>MOSDEX Schema</a:t>
+            </a:r>
+          </a:p>
+          <a:p>
+            <a:pPr lvl="1"/>
+            <a:r>
+              <a:rPr lang="en-US" dirty="0" smtClean="0"/>
+              <a:t>MOSDEXSchemaV1-2.json</a:t>
+            </a:r>
           </a:p>
         </p:txBody>
       </p:sp>
@@ -11173,7 +13133,239 @@
                 </a:solidFill>
               </a:rPr>
               <a:pPr/>
-              <a:t>20</a:t>
+              <a:t>21</a:t>
+            </a:fld>
+            <a:endParaRPr lang="en-US" dirty="0">
+              <a:solidFill>
+                <a:srgbClr val="5FCBEF"/>
+              </a:solidFill>
+            </a:endParaRPr>
+          </a:p>
+        </p:txBody>
+      </p:sp>
+    </p:spTree>
+    <p:extLst>
+      <p:ext uri="{BB962C8B-B14F-4D97-AF65-F5344CB8AC3E}">
+        <p14:creationId xmlns:p14="http://schemas.microsoft.com/office/powerpoint/2010/main" val="2087452662"/>
+      </p:ext>
+    </p:extLst>
+  </p:cSld>
+  <p:clrMapOvr>
+    <a:masterClrMapping/>
+  </p:clrMapOvr>
+  <p:timing>
+    <p:tnLst>
+      <p:par>
+        <p:cTn id="1" dur="indefinite" restart="never" nodeType="tmRoot"/>
+      </p:par>
+    </p:tnLst>
+  </p:timing>
+</p:sld>
+</file>
+
+<file path=ppt/slides/slide22.xml><?xml version="1.0" encoding="utf-8"?>
+<p:sld xmlns:a="http://schemas.openxmlformats.org/drawingml/2006/main" xmlns:r="http://schemas.openxmlformats.org/officeDocument/2006/relationships" xmlns:p="http://schemas.openxmlformats.org/presentationml/2006/main">
+  <p:cSld>
+    <p:spTree>
+      <p:nvGrpSpPr>
+        <p:cNvPr id="1" name=""/>
+        <p:cNvGrpSpPr/>
+        <p:nvPr/>
+      </p:nvGrpSpPr>
+      <p:grpSpPr>
+        <a:xfrm>
+          <a:off x="0" y="0"/>
+          <a:ext cx="0" cy="0"/>
+          <a:chOff x="0" y="0"/>
+          <a:chExt cx="0" cy="0"/>
+        </a:xfrm>
+      </p:grpSpPr>
+      <p:sp>
+        <p:nvSpPr>
+          <p:cNvPr id="2" name="Title 1"/>
+          <p:cNvSpPr>
+            <a:spLocks noGrp="1"/>
+          </p:cNvSpPr>
+          <p:nvPr>
+            <p:ph type="title"/>
+          </p:nvPr>
+        </p:nvSpPr>
+        <p:spPr/>
+        <p:txBody>
+          <a:bodyPr>
+            <a:normAutofit/>
+          </a:bodyPr>
+          <a:lstStyle/>
+          <a:p>
+            <a:r>
+              <a:rPr lang="en-US" dirty="0"/>
+              <a:t>MOSDEX Examples</a:t>
+            </a:r>
+            <a:br>
+              <a:rPr lang="en-US" dirty="0"/>
+            </a:br>
+            <a:r>
+              <a:rPr lang="en-US" sz="1800" dirty="0"/>
+              <a:t>https://github.com/coin-modeling-dev/MOSDEX-Examples/tree/master/MOSDEX-1.2</a:t>
+            </a:r>
+          </a:p>
+        </p:txBody>
+      </p:sp>
+      <p:sp>
+        <p:nvSpPr>
+          <p:cNvPr id="3" name="Content Placeholder 2"/>
+          <p:cNvSpPr>
+            <a:spLocks noGrp="1"/>
+          </p:cNvSpPr>
+          <p:nvPr>
+            <p:ph idx="1"/>
+          </p:nvPr>
+        </p:nvSpPr>
+        <p:spPr/>
+        <p:txBody>
+          <a:bodyPr>
+            <a:normAutofit fontScale="85000" lnSpcReduction="20000"/>
+          </a:bodyPr>
+          <a:lstStyle/>
+          <a:p>
+            <a:r>
+              <a:rPr lang="en-US" dirty="0"/>
+              <a:t>Volsay_1-2.json – a simple 2-variable, 3-constraint linear program illustrating instance form tables</a:t>
+            </a:r>
+          </a:p>
+          <a:p>
+            <a:r>
+              <a:rPr lang="en-US" dirty="0"/>
+              <a:t>net1a_1-2.json – a network flow linear program illustrating </a:t>
+            </a:r>
+            <a:r>
+              <a:rPr lang="en-US" dirty="0" smtClean="0"/>
+              <a:t>query </a:t>
+            </a:r>
+            <a:r>
+              <a:rPr lang="en-US" dirty="0"/>
+              <a:t>form tables</a:t>
+            </a:r>
+          </a:p>
+          <a:p>
+            <a:r>
+              <a:rPr lang="en-US" dirty="0"/>
+              <a:t>net1b_1-2.json – the same network flow linear program using instance form tables</a:t>
+            </a:r>
+          </a:p>
+          <a:p>
+            <a:r>
+              <a:rPr lang="en-US" dirty="0"/>
+              <a:t>sailco_1-2.json – a production planning linear program illustrating lagged inventory decision variables</a:t>
+            </a:r>
+          </a:p>
+          <a:p>
+            <a:r>
+              <a:rPr lang="en-US" dirty="0"/>
+              <a:t>warehousing_1-2.json – a facility location mixed-integer linear program illustrating a large-scale, structured problem in </a:t>
+            </a:r>
+            <a:r>
+              <a:rPr lang="en-US" dirty="0" smtClean="0"/>
+              <a:t>query </a:t>
+            </a:r>
+            <a:r>
+              <a:rPr lang="en-US" dirty="0"/>
+              <a:t>form</a:t>
+            </a:r>
+          </a:p>
+          <a:p>
+            <a:r>
+              <a:rPr lang="en-US" dirty="0"/>
+              <a:t>multicommodity_1-2.json – a multi-commodity network flow linear program in extensive form</a:t>
+            </a:r>
+          </a:p>
+          <a:p>
+            <a:r>
+              <a:rPr lang="en-US" dirty="0" smtClean="0"/>
+              <a:t>cuttingStock_1-2.json </a:t>
+            </a:r>
+            <a:r>
+              <a:rPr lang="en-US" dirty="0"/>
+              <a:t>– a cutting-stock mixed-integer linear program illustrating use of modular structure for decomposition in a column generation algorithm</a:t>
+            </a:r>
+          </a:p>
+          <a:p>
+            <a:r>
+              <a:rPr lang="en-US" dirty="0"/>
+              <a:t>trafficNetworkQP_1-2.json – a quadratic programming problem</a:t>
+            </a:r>
+          </a:p>
+          <a:p>
+            <a:r>
+              <a:rPr lang="en-US" dirty="0"/>
+              <a:t>trafficNetworkNLP_1-2.json – the same problem formulated as a nonlinear program with expression </a:t>
+            </a:r>
+            <a:r>
+              <a:rPr lang="en-US" dirty="0" smtClean="0"/>
+              <a:t>graph</a:t>
+            </a:r>
+            <a:endParaRPr lang="en-US" dirty="0"/>
+          </a:p>
+        </p:txBody>
+      </p:sp>
+      <p:sp>
+        <p:nvSpPr>
+          <p:cNvPr id="4" name="Footer Placeholder 3"/>
+          <p:cNvSpPr>
+            <a:spLocks noGrp="1"/>
+          </p:cNvSpPr>
+          <p:nvPr>
+            <p:ph type="ftr" sz="quarter" idx="11"/>
+          </p:nvPr>
+        </p:nvSpPr>
+        <p:spPr/>
+        <p:txBody>
+          <a:bodyPr/>
+          <a:lstStyle/>
+          <a:p>
+            <a:r>
+              <a:rPr lang="en-US" smtClean="0">
+                <a:solidFill>
+                  <a:prstClr val="black">
+                    <a:tint val="75000"/>
+                  </a:prstClr>
+                </a:solidFill>
+              </a:rPr>
+              <a:t>©2020 Jeremy A. Bloom</a:t>
+            </a:r>
+            <a:endParaRPr lang="en-US" dirty="0">
+              <a:solidFill>
+                <a:prstClr val="black">
+                  <a:tint val="75000"/>
+                </a:prstClr>
+              </a:solidFill>
+            </a:endParaRPr>
+          </a:p>
+        </p:txBody>
+      </p:sp>
+      <p:sp>
+        <p:nvSpPr>
+          <p:cNvPr id="5" name="Slide Number Placeholder 4"/>
+          <p:cNvSpPr>
+            <a:spLocks noGrp="1"/>
+          </p:cNvSpPr>
+          <p:nvPr>
+            <p:ph type="sldNum" sz="quarter" idx="12"/>
+          </p:nvPr>
+        </p:nvSpPr>
+        <p:spPr/>
+        <p:txBody>
+          <a:bodyPr/>
+          <a:lstStyle/>
+          <a:p>
+            <a:fld id="{519954A3-9DFD-4C44-94BA-B95130A3BA1C}" type="slidenum">
+              <a:rPr lang="en-US" smtClean="0">
+                <a:solidFill>
+                  <a:srgbClr val="5FCBEF"/>
+                </a:solidFill>
+              </a:rPr>
+              <a:pPr/>
+              <a:t>22</a:t>
             </a:fld>
             <a:endParaRPr lang="en-US" dirty="0">
               <a:solidFill>
@@ -11638,7 +13830,6 @@
               <a:rPr lang="en-US" dirty="0" smtClean="0"/>
               <a:t>objects</a:t>
             </a:r>
-            <a:endParaRPr lang="en-US" dirty="0" smtClean="0"/>
           </a:p>
         </p:txBody>
       </p:sp>
@@ -11733,11 +13924,7 @@
           <a:p>
             <a:r>
               <a:rPr lang="en-US" dirty="0" smtClean="0"/>
-              <a:t>Minimize </a:t>
-            </a:r>
-            <a:r>
-              <a:rPr lang="en-US" dirty="0" smtClean="0"/>
-              <a:t>custom coding required </a:t>
+              <a:t>Minimize custom coding required </a:t>
             </a:r>
             <a:r>
               <a:rPr lang="en-US" dirty="0"/>
@@ -11766,15 +13953,7 @@
           <a:p>
             <a:r>
               <a:rPr lang="en-US" dirty="0" smtClean="0"/>
-              <a:t>Avoid </a:t>
-            </a:r>
-            <a:r>
-              <a:rPr lang="en-US" dirty="0" smtClean="0"/>
-              <a:t>requiring </a:t>
-            </a:r>
-            <a:r>
-              <a:rPr lang="en-US" dirty="0" smtClean="0"/>
-              <a:t>users to customize the parser and/or code generator or emulator</a:t>
+              <a:t>Avoid requiring users to customize the parser and/or code generator or emulator</a:t>
             </a:r>
             <a:endParaRPr lang="en-US" dirty="0"/>
           </a:p>
@@ -11796,7 +13975,7 @@
           <a:lstStyle/>
           <a:p>
             <a:r>
-              <a:rPr lang="en-US" smtClean="0"/>
+              <a:rPr lang="en-US" dirty="0" smtClean="0"/>
               <a:t>©2020 Jeremy A. Bloom</a:t>
             </a:r>
             <a:endParaRPr lang="en-US" dirty="0"/>
@@ -11905,11 +14084,7 @@
           <a:p>
             <a:r>
               <a:rPr lang="en-US" dirty="0" smtClean="0"/>
-              <a:t>A standard format for data </a:t>
-            </a:r>
-            <a:r>
-              <a:rPr lang="en-US" dirty="0" smtClean="0"/>
-              <a:t>exchange </a:t>
+              <a:t>A standard format for data exchange </a:t>
             </a:r>
             <a:r>
               <a:rPr lang="en-US" u="sng" dirty="0">
@@ -11922,11 +14097,7 @@
           <a:p>
             <a:r>
               <a:rPr lang="en-US" dirty="0" smtClean="0"/>
-              <a:t>Simple </a:t>
-            </a:r>
-            <a:r>
-              <a:rPr lang="en-US" dirty="0" smtClean="0"/>
-              <a:t>syntax</a:t>
+              <a:t>Simple syntax</a:t>
             </a:r>
           </a:p>
           <a:p>
@@ -11945,25 +14116,15 @@
             <a:pPr lvl="1"/>
             <a:r>
               <a:rPr lang="en-US" dirty="0" smtClean="0"/>
-              <a:t>Object: { “name” : value, </a:t>
-            </a:r>
-            <a:r>
-              <a:rPr lang="en-US" dirty="0" smtClean="0"/>
-              <a:t>…} unordered</a:t>
-            </a:r>
-            <a:endParaRPr lang="en-US" dirty="0" smtClean="0"/>
+              <a:t>Object: { “name” : value, …} unordered key: value pairs</a:t>
+            </a:r>
           </a:p>
           <a:p>
             <a:pPr lvl="1"/>
             <a:r>
               <a:rPr lang="en-US" dirty="0" smtClean="0"/>
-              <a:t>Array: [ </a:t>
-            </a:r>
-            <a:r>
-              <a:rPr lang="en-US" dirty="0" smtClean="0"/>
-              <a:t>value, …] ordered, mixed type values</a:t>
-            </a:r>
-            <a:endParaRPr lang="en-US" dirty="0" smtClean="0"/>
+              <a:t>Array: [ value, …] ordered items of mixed types</a:t>
+            </a:r>
           </a:p>
           <a:p>
             <a:pPr lvl="1"/>
@@ -11971,7 +14132,6 @@
               <a:rPr lang="en-US" dirty="0" smtClean="0"/>
               <a:t>Nesting: Array can contain Objects, Object can contain Arrays</a:t>
             </a:r>
-            <a:endParaRPr lang="en-US" dirty="0" smtClean="0"/>
           </a:p>
           <a:p>
             <a:r>
@@ -11990,11 +14150,7 @@
             <a:pPr lvl="1"/>
             <a:r>
               <a:rPr lang="en-US" dirty="0" smtClean="0"/>
-              <a:t>Dynamically typed (e.g. JavaScript, Python) can create objects on the fly from </a:t>
-            </a:r>
-            <a:r>
-              <a:rPr lang="en-US" dirty="0" smtClean="0"/>
-              <a:t>JSON</a:t>
+              <a:t>Dynamically typed (e.g. JavaScript, Python) can create objects on the fly from JSON</a:t>
             </a:r>
           </a:p>
           <a:p>
@@ -12016,7 +14172,6 @@
               <a:rPr lang="en-US" dirty="0" smtClean="0"/>
               <a:t>A meta-standard for describing JSON files</a:t>
             </a:r>
-            <a:endParaRPr lang="en-US" dirty="0" smtClean="0"/>
           </a:p>
           <a:p>
             <a:endParaRPr lang="en-US" dirty="0"/>
@@ -12759,11 +14914,7 @@
           <a:p>
             <a:r>
               <a:rPr lang="en-US" dirty="0" smtClean="0"/>
-              <a:t>SQL is widely known </a:t>
-            </a:r>
-            <a:r>
-              <a:rPr lang="en-US" dirty="0" smtClean="0"/>
-              <a:t>and used by developers</a:t>
+              <a:t>SQL is widely known and used by developers</a:t>
             </a:r>
           </a:p>
           <a:p>
@@ -12795,7 +14946,6 @@
               <a:rPr lang="en-US" dirty="0" smtClean="0"/>
               <a:t>Efficient data manipulations through query optimization</a:t>
             </a:r>
-            <a:endParaRPr lang="en-US" dirty="0" smtClean="0"/>
           </a:p>
           <a:p>
             <a:endParaRPr lang="en-US" dirty="0"/>
@@ -12932,7 +15082,7 @@
         </p:nvSpPr>
         <p:spPr>
           <a:xfrm>
-            <a:off x="677334" y="609600"/>
+            <a:off x="677334" y="268639"/>
             <a:ext cx="8923866" cy="1320800"/>
           </a:xfrm>
         </p:spPr>
@@ -12960,8 +15110,8 @@
         </p:nvSpPr>
         <p:spPr>
           <a:xfrm>
-            <a:off x="677334" y="1348353"/>
-            <a:ext cx="8923866" cy="4693009"/>
+            <a:off x="677333" y="1193373"/>
+            <a:ext cx="9334571" cy="5058134"/>
           </a:xfrm>
         </p:spPr>
         <p:txBody>
@@ -12976,19 +15126,17 @@
             </a:r>
           </a:p>
           <a:p>
-            <a:r>
-              <a:rPr lang="en-US" dirty="0" smtClean="0"/>
-              <a:t>MOSDEX Compatibility </a:t>
-            </a:r>
-            <a:r>
-              <a:rPr lang="en-US" dirty="0" smtClean="0"/>
-              <a:t>with </a:t>
-            </a:r>
-            <a:r>
-              <a:rPr lang="en-US" dirty="0" smtClean="0"/>
-              <a:t>MPS</a:t>
-            </a:r>
-            <a:endParaRPr lang="en-US" dirty="0" smtClean="0"/>
+            <a:pPr lvl="1"/>
+            <a:r>
+              <a:rPr lang="en-US" dirty="0" smtClean="0"/>
+              <a:t>MOSDEX lacks syntactic features (e.g. a sum operator, set operators) that make modeling languages friendly for users, although many of these are available through SQL</a:t>
+            </a:r>
+          </a:p>
+          <a:p>
+            <a:r>
+              <a:rPr lang="en-US" dirty="0" smtClean="0"/>
+              <a:t>MOSDEX needs compatibility with MPS</a:t>
+            </a:r>
           </a:p>
           <a:p>
             <a:pPr lvl="1"/>
